--- a/Orange/doc/CS01/task14/FinalPresentation.pptx
+++ b/Orange/doc/CS01/task14/FinalPresentation.pptx
@@ -5,32 +5,30 @@
     <p:sldMasterId id="2147483702" r:id="rId1"/>
   </p:sldMasterIdLst>
   <p:notesMasterIdLst>
-    <p:notesMasterId r:id="rId25"/>
+    <p:notesMasterId r:id="rId23"/>
   </p:notesMasterIdLst>
   <p:sldIdLst>
     <p:sldId id="256" r:id="rId2"/>
     <p:sldId id="257" r:id="rId3"/>
-    <p:sldId id="258" r:id="rId4"/>
-    <p:sldId id="259" r:id="rId5"/>
-    <p:sldId id="260" r:id="rId6"/>
-    <p:sldId id="261" r:id="rId7"/>
-    <p:sldId id="281" r:id="rId8"/>
-    <p:sldId id="262" r:id="rId9"/>
-    <p:sldId id="263" r:id="rId10"/>
-    <p:sldId id="264" r:id="rId11"/>
-    <p:sldId id="266" r:id="rId12"/>
-    <p:sldId id="267" r:id="rId13"/>
-    <p:sldId id="268" r:id="rId14"/>
-    <p:sldId id="269" r:id="rId15"/>
-    <p:sldId id="270" r:id="rId16"/>
-    <p:sldId id="265" r:id="rId17"/>
-    <p:sldId id="271" r:id="rId18"/>
-    <p:sldId id="272" r:id="rId19"/>
-    <p:sldId id="278" r:id="rId20"/>
-    <p:sldId id="279" r:id="rId21"/>
-    <p:sldId id="273" r:id="rId22"/>
-    <p:sldId id="274" r:id="rId23"/>
-    <p:sldId id="282" r:id="rId24"/>
+    <p:sldId id="259" r:id="rId4"/>
+    <p:sldId id="260" r:id="rId5"/>
+    <p:sldId id="261" r:id="rId6"/>
+    <p:sldId id="281" r:id="rId7"/>
+    <p:sldId id="262" r:id="rId8"/>
+    <p:sldId id="263" r:id="rId9"/>
+    <p:sldId id="264" r:id="rId10"/>
+    <p:sldId id="266" r:id="rId11"/>
+    <p:sldId id="267" r:id="rId12"/>
+    <p:sldId id="268" r:id="rId13"/>
+    <p:sldId id="269" r:id="rId14"/>
+    <p:sldId id="270" r:id="rId15"/>
+    <p:sldId id="265" r:id="rId16"/>
+    <p:sldId id="272" r:id="rId17"/>
+    <p:sldId id="278" r:id="rId18"/>
+    <p:sldId id="279" r:id="rId19"/>
+    <p:sldId id="273" r:id="rId20"/>
+    <p:sldId id="274" r:id="rId21"/>
+    <p:sldId id="282" r:id="rId22"/>
   </p:sldIdLst>
   <p:sldSz cx="12192000" cy="6858000"/>
   <p:notesSz cx="6858000" cy="9144000"/>
@@ -532,31 +530,10 @@
           <a:lstStyle/>
           <a:p>
             <a:r>
-              <a:rPr lang="de-CH" dirty="0" smtClean="0"/>
-              <a:t>Gruppe</a:t>
-            </a:r>
-            <a:r>
-              <a:rPr lang="de-CH" baseline="0" dirty="0" smtClean="0"/>
-              <a:t> Relatives</a:t>
-            </a:r>
-          </a:p>
-          <a:p>
-            <a:r>
-              <a:rPr lang="de-CH" baseline="0" dirty="0" smtClean="0"/>
-              <a:t>Sehr wenig Anforderungen</a:t>
-            </a:r>
-          </a:p>
-          <a:p>
-            <a:r>
-              <a:rPr lang="de-CH" baseline="0" dirty="0" smtClean="0"/>
-              <a:t>Haben keine Prioritäten</a:t>
-            </a:r>
-          </a:p>
-          <a:p>
-            <a:r>
-              <a:rPr lang="de-CH" baseline="0" dirty="0" smtClean="0"/>
-              <a:t>Viel Interpretationsraum</a:t>
-            </a:r>
+              <a:rPr lang="de-CH" dirty="0" err="1" smtClean="0"/>
+              <a:t>Lele</a:t>
+            </a:r>
+            <a:endParaRPr lang="de-CH" dirty="0"/>
           </a:p>
         </p:txBody>
       </p:sp>
@@ -577,7 +554,7 @@
           <a:p>
             <a:fld id="{57E63A1E-426D-4238-9128-3C63CF954FD1}" type="slidenum">
               <a:rPr lang="de-CH" smtClean="0"/>
-              <a:t>3</a:t>
+              <a:t>1</a:t>
             </a:fld>
             <a:endParaRPr lang="de-CH"/>
           </a:p>
@@ -586,7 +563,1031 @@
     </p:spTree>
     <p:extLst>
       <p:ext uri="{BB962C8B-B14F-4D97-AF65-F5344CB8AC3E}">
-        <p14:creationId xmlns:p14="http://schemas.microsoft.com/office/powerpoint/2010/main" val="4130753290"/>
+        <p14:creationId xmlns:p14="http://schemas.microsoft.com/office/powerpoint/2010/main" val="1206372624"/>
+      </p:ext>
+    </p:extLst>
+  </p:cSld>
+  <p:clrMapOvr>
+    <a:masterClrMapping/>
+  </p:clrMapOvr>
+</p:notes>
+</file>
+
+<file path=ppt/notesSlides/notesSlide10.xml><?xml version="1.0" encoding="utf-8"?>
+<p:notes xmlns:a="http://schemas.openxmlformats.org/drawingml/2006/main" xmlns:r="http://schemas.openxmlformats.org/officeDocument/2006/relationships" xmlns:p="http://schemas.openxmlformats.org/presentationml/2006/main">
+  <p:cSld>
+    <p:spTree>
+      <p:nvGrpSpPr>
+        <p:cNvPr id="1" name=""/>
+        <p:cNvGrpSpPr/>
+        <p:nvPr/>
+      </p:nvGrpSpPr>
+      <p:grpSpPr>
+        <a:xfrm>
+          <a:off x="0" y="0"/>
+          <a:ext cx="0" cy="0"/>
+          <a:chOff x="0" y="0"/>
+          <a:chExt cx="0" cy="0"/>
+        </a:xfrm>
+      </p:grpSpPr>
+      <p:sp>
+        <p:nvSpPr>
+          <p:cNvPr id="2" name="Folienbildplatzhalter 1"/>
+          <p:cNvSpPr>
+            <a:spLocks noGrp="1" noRot="1" noChangeAspect="1"/>
+          </p:cNvSpPr>
+          <p:nvPr>
+            <p:ph type="sldImg"/>
+          </p:nvPr>
+        </p:nvSpPr>
+        <p:spPr/>
+      </p:sp>
+      <p:sp>
+        <p:nvSpPr>
+          <p:cNvPr id="3" name="Notizenplatzhalter 2"/>
+          <p:cNvSpPr>
+            <a:spLocks noGrp="1"/>
+          </p:cNvSpPr>
+          <p:nvPr>
+            <p:ph type="body" idx="1"/>
+          </p:nvPr>
+        </p:nvSpPr>
+        <p:spPr/>
+        <p:txBody>
+          <a:bodyPr/>
+          <a:lstStyle/>
+          <a:p>
+            <a:r>
+              <a:rPr lang="de-CH" dirty="0" err="1" smtClean="0"/>
+              <a:t>Lele</a:t>
+            </a:r>
+            <a:endParaRPr lang="de-CH" dirty="0"/>
+          </a:p>
+        </p:txBody>
+      </p:sp>
+      <p:sp>
+        <p:nvSpPr>
+          <p:cNvPr id="4" name="Foliennummernplatzhalter 3"/>
+          <p:cNvSpPr>
+            <a:spLocks noGrp="1"/>
+          </p:cNvSpPr>
+          <p:nvPr>
+            <p:ph type="sldNum" sz="quarter" idx="10"/>
+          </p:nvPr>
+        </p:nvSpPr>
+        <p:spPr/>
+        <p:txBody>
+          <a:bodyPr/>
+          <a:lstStyle/>
+          <a:p>
+            <a:fld id="{57E63A1E-426D-4238-9128-3C63CF954FD1}" type="slidenum">
+              <a:rPr lang="de-CH" smtClean="0"/>
+              <a:t>10</a:t>
+            </a:fld>
+            <a:endParaRPr lang="de-CH"/>
+          </a:p>
+        </p:txBody>
+      </p:sp>
+    </p:spTree>
+    <p:extLst>
+      <p:ext uri="{BB962C8B-B14F-4D97-AF65-F5344CB8AC3E}">
+        <p14:creationId xmlns:p14="http://schemas.microsoft.com/office/powerpoint/2010/main" val="2445338817"/>
+      </p:ext>
+    </p:extLst>
+  </p:cSld>
+  <p:clrMapOvr>
+    <a:masterClrMapping/>
+  </p:clrMapOvr>
+</p:notes>
+</file>
+
+<file path=ppt/notesSlides/notesSlide11.xml><?xml version="1.0" encoding="utf-8"?>
+<p:notes xmlns:a="http://schemas.openxmlformats.org/drawingml/2006/main" xmlns:r="http://schemas.openxmlformats.org/officeDocument/2006/relationships" xmlns:p="http://schemas.openxmlformats.org/presentationml/2006/main">
+  <p:cSld>
+    <p:spTree>
+      <p:nvGrpSpPr>
+        <p:cNvPr id="1" name=""/>
+        <p:cNvGrpSpPr/>
+        <p:nvPr/>
+      </p:nvGrpSpPr>
+      <p:grpSpPr>
+        <a:xfrm>
+          <a:off x="0" y="0"/>
+          <a:ext cx="0" cy="0"/>
+          <a:chOff x="0" y="0"/>
+          <a:chExt cx="0" cy="0"/>
+        </a:xfrm>
+      </p:grpSpPr>
+      <p:sp>
+        <p:nvSpPr>
+          <p:cNvPr id="2" name="Folienbildplatzhalter 1"/>
+          <p:cNvSpPr>
+            <a:spLocks noGrp="1" noRot="1" noChangeAspect="1"/>
+          </p:cNvSpPr>
+          <p:nvPr>
+            <p:ph type="sldImg"/>
+          </p:nvPr>
+        </p:nvSpPr>
+        <p:spPr/>
+      </p:sp>
+      <p:sp>
+        <p:nvSpPr>
+          <p:cNvPr id="3" name="Notizenplatzhalter 2"/>
+          <p:cNvSpPr>
+            <a:spLocks noGrp="1"/>
+          </p:cNvSpPr>
+          <p:nvPr>
+            <p:ph type="body" idx="1"/>
+          </p:nvPr>
+        </p:nvSpPr>
+        <p:spPr/>
+        <p:txBody>
+          <a:bodyPr/>
+          <a:lstStyle/>
+          <a:p>
+            <a:r>
+              <a:rPr lang="de-CH" dirty="0" smtClean="0"/>
+              <a:t>Joy</a:t>
+            </a:r>
+            <a:endParaRPr lang="de-CH" dirty="0"/>
+          </a:p>
+        </p:txBody>
+      </p:sp>
+      <p:sp>
+        <p:nvSpPr>
+          <p:cNvPr id="4" name="Foliennummernplatzhalter 3"/>
+          <p:cNvSpPr>
+            <a:spLocks noGrp="1"/>
+          </p:cNvSpPr>
+          <p:nvPr>
+            <p:ph type="sldNum" sz="quarter" idx="10"/>
+          </p:nvPr>
+        </p:nvSpPr>
+        <p:spPr/>
+        <p:txBody>
+          <a:bodyPr/>
+          <a:lstStyle/>
+          <a:p>
+            <a:fld id="{57E63A1E-426D-4238-9128-3C63CF954FD1}" type="slidenum">
+              <a:rPr lang="de-CH" smtClean="0"/>
+              <a:t>11</a:t>
+            </a:fld>
+            <a:endParaRPr lang="de-CH"/>
+          </a:p>
+        </p:txBody>
+      </p:sp>
+    </p:spTree>
+    <p:extLst>
+      <p:ext uri="{BB962C8B-B14F-4D97-AF65-F5344CB8AC3E}">
+        <p14:creationId xmlns:p14="http://schemas.microsoft.com/office/powerpoint/2010/main" val="307674394"/>
+      </p:ext>
+    </p:extLst>
+  </p:cSld>
+  <p:clrMapOvr>
+    <a:masterClrMapping/>
+  </p:clrMapOvr>
+</p:notes>
+</file>
+
+<file path=ppt/notesSlides/notesSlide12.xml><?xml version="1.0" encoding="utf-8"?>
+<p:notes xmlns:a="http://schemas.openxmlformats.org/drawingml/2006/main" xmlns:r="http://schemas.openxmlformats.org/officeDocument/2006/relationships" xmlns:p="http://schemas.openxmlformats.org/presentationml/2006/main">
+  <p:cSld>
+    <p:spTree>
+      <p:nvGrpSpPr>
+        <p:cNvPr id="1" name=""/>
+        <p:cNvGrpSpPr/>
+        <p:nvPr/>
+      </p:nvGrpSpPr>
+      <p:grpSpPr>
+        <a:xfrm>
+          <a:off x="0" y="0"/>
+          <a:ext cx="0" cy="0"/>
+          <a:chOff x="0" y="0"/>
+          <a:chExt cx="0" cy="0"/>
+        </a:xfrm>
+      </p:grpSpPr>
+      <p:sp>
+        <p:nvSpPr>
+          <p:cNvPr id="2" name="Folienbildplatzhalter 1"/>
+          <p:cNvSpPr>
+            <a:spLocks noGrp="1" noRot="1" noChangeAspect="1"/>
+          </p:cNvSpPr>
+          <p:nvPr>
+            <p:ph type="sldImg"/>
+          </p:nvPr>
+        </p:nvSpPr>
+        <p:spPr/>
+      </p:sp>
+      <p:sp>
+        <p:nvSpPr>
+          <p:cNvPr id="3" name="Notizenplatzhalter 2"/>
+          <p:cNvSpPr>
+            <a:spLocks noGrp="1"/>
+          </p:cNvSpPr>
+          <p:nvPr>
+            <p:ph type="body" idx="1"/>
+          </p:nvPr>
+        </p:nvSpPr>
+        <p:spPr/>
+        <p:txBody>
+          <a:bodyPr/>
+          <a:lstStyle/>
+          <a:p>
+            <a:r>
+              <a:rPr lang="de-CH" dirty="0" smtClean="0"/>
+              <a:t>Joy</a:t>
+            </a:r>
+            <a:endParaRPr lang="de-CH" dirty="0"/>
+          </a:p>
+        </p:txBody>
+      </p:sp>
+      <p:sp>
+        <p:nvSpPr>
+          <p:cNvPr id="4" name="Foliennummernplatzhalter 3"/>
+          <p:cNvSpPr>
+            <a:spLocks noGrp="1"/>
+          </p:cNvSpPr>
+          <p:nvPr>
+            <p:ph type="sldNum" sz="quarter" idx="10"/>
+          </p:nvPr>
+        </p:nvSpPr>
+        <p:spPr/>
+        <p:txBody>
+          <a:bodyPr/>
+          <a:lstStyle/>
+          <a:p>
+            <a:fld id="{57E63A1E-426D-4238-9128-3C63CF954FD1}" type="slidenum">
+              <a:rPr lang="de-CH" smtClean="0"/>
+              <a:t>12</a:t>
+            </a:fld>
+            <a:endParaRPr lang="de-CH"/>
+          </a:p>
+        </p:txBody>
+      </p:sp>
+    </p:spTree>
+    <p:extLst>
+      <p:ext uri="{BB962C8B-B14F-4D97-AF65-F5344CB8AC3E}">
+        <p14:creationId xmlns:p14="http://schemas.microsoft.com/office/powerpoint/2010/main" val="1437077852"/>
+      </p:ext>
+    </p:extLst>
+  </p:cSld>
+  <p:clrMapOvr>
+    <a:masterClrMapping/>
+  </p:clrMapOvr>
+</p:notes>
+</file>
+
+<file path=ppt/notesSlides/notesSlide13.xml><?xml version="1.0" encoding="utf-8"?>
+<p:notes xmlns:a="http://schemas.openxmlformats.org/drawingml/2006/main" xmlns:r="http://schemas.openxmlformats.org/officeDocument/2006/relationships" xmlns:p="http://schemas.openxmlformats.org/presentationml/2006/main">
+  <p:cSld>
+    <p:spTree>
+      <p:nvGrpSpPr>
+        <p:cNvPr id="1" name=""/>
+        <p:cNvGrpSpPr/>
+        <p:nvPr/>
+      </p:nvGrpSpPr>
+      <p:grpSpPr>
+        <a:xfrm>
+          <a:off x="0" y="0"/>
+          <a:ext cx="0" cy="0"/>
+          <a:chOff x="0" y="0"/>
+          <a:chExt cx="0" cy="0"/>
+        </a:xfrm>
+      </p:grpSpPr>
+      <p:sp>
+        <p:nvSpPr>
+          <p:cNvPr id="2" name="Folienbildplatzhalter 1"/>
+          <p:cNvSpPr>
+            <a:spLocks noGrp="1" noRot="1" noChangeAspect="1"/>
+          </p:cNvSpPr>
+          <p:nvPr>
+            <p:ph type="sldImg"/>
+          </p:nvPr>
+        </p:nvSpPr>
+        <p:spPr/>
+      </p:sp>
+      <p:sp>
+        <p:nvSpPr>
+          <p:cNvPr id="3" name="Notizenplatzhalter 2"/>
+          <p:cNvSpPr>
+            <a:spLocks noGrp="1"/>
+          </p:cNvSpPr>
+          <p:nvPr>
+            <p:ph type="body" idx="1"/>
+          </p:nvPr>
+        </p:nvSpPr>
+        <p:spPr/>
+        <p:txBody>
+          <a:bodyPr/>
+          <a:lstStyle/>
+          <a:p>
+            <a:r>
+              <a:rPr lang="de-CH" dirty="0" err="1" smtClean="0"/>
+              <a:t>Lele</a:t>
+            </a:r>
+            <a:endParaRPr lang="de-CH" dirty="0"/>
+          </a:p>
+        </p:txBody>
+      </p:sp>
+      <p:sp>
+        <p:nvSpPr>
+          <p:cNvPr id="4" name="Foliennummernplatzhalter 3"/>
+          <p:cNvSpPr>
+            <a:spLocks noGrp="1"/>
+          </p:cNvSpPr>
+          <p:nvPr>
+            <p:ph type="sldNum" sz="quarter" idx="10"/>
+          </p:nvPr>
+        </p:nvSpPr>
+        <p:spPr/>
+        <p:txBody>
+          <a:bodyPr/>
+          <a:lstStyle/>
+          <a:p>
+            <a:fld id="{57E63A1E-426D-4238-9128-3C63CF954FD1}" type="slidenum">
+              <a:rPr lang="de-CH" smtClean="0"/>
+              <a:t>13</a:t>
+            </a:fld>
+            <a:endParaRPr lang="de-CH"/>
+          </a:p>
+        </p:txBody>
+      </p:sp>
+    </p:spTree>
+    <p:extLst>
+      <p:ext uri="{BB962C8B-B14F-4D97-AF65-F5344CB8AC3E}">
+        <p14:creationId xmlns:p14="http://schemas.microsoft.com/office/powerpoint/2010/main" val="1718697884"/>
+      </p:ext>
+    </p:extLst>
+  </p:cSld>
+  <p:clrMapOvr>
+    <a:masterClrMapping/>
+  </p:clrMapOvr>
+</p:notes>
+</file>
+
+<file path=ppt/notesSlides/notesSlide14.xml><?xml version="1.0" encoding="utf-8"?>
+<p:notes xmlns:a="http://schemas.openxmlformats.org/drawingml/2006/main" xmlns:r="http://schemas.openxmlformats.org/officeDocument/2006/relationships" xmlns:p="http://schemas.openxmlformats.org/presentationml/2006/main">
+  <p:cSld>
+    <p:spTree>
+      <p:nvGrpSpPr>
+        <p:cNvPr id="1" name=""/>
+        <p:cNvGrpSpPr/>
+        <p:nvPr/>
+      </p:nvGrpSpPr>
+      <p:grpSpPr>
+        <a:xfrm>
+          <a:off x="0" y="0"/>
+          <a:ext cx="0" cy="0"/>
+          <a:chOff x="0" y="0"/>
+          <a:chExt cx="0" cy="0"/>
+        </a:xfrm>
+      </p:grpSpPr>
+      <p:sp>
+        <p:nvSpPr>
+          <p:cNvPr id="2" name="Folienbildplatzhalter 1"/>
+          <p:cNvSpPr>
+            <a:spLocks noGrp="1" noRot="1" noChangeAspect="1"/>
+          </p:cNvSpPr>
+          <p:nvPr>
+            <p:ph type="sldImg"/>
+          </p:nvPr>
+        </p:nvSpPr>
+        <p:spPr/>
+      </p:sp>
+      <p:sp>
+        <p:nvSpPr>
+          <p:cNvPr id="3" name="Notizenplatzhalter 2"/>
+          <p:cNvSpPr>
+            <a:spLocks noGrp="1"/>
+          </p:cNvSpPr>
+          <p:nvPr>
+            <p:ph type="body" idx="1"/>
+          </p:nvPr>
+        </p:nvSpPr>
+        <p:spPr/>
+        <p:txBody>
+          <a:bodyPr/>
+          <a:lstStyle/>
+          <a:p>
+            <a:r>
+              <a:rPr lang="de-CH" dirty="0" err="1" smtClean="0"/>
+              <a:t>Lele</a:t>
+            </a:r>
+            <a:endParaRPr lang="de-CH" dirty="0"/>
+          </a:p>
+        </p:txBody>
+      </p:sp>
+      <p:sp>
+        <p:nvSpPr>
+          <p:cNvPr id="4" name="Foliennummernplatzhalter 3"/>
+          <p:cNvSpPr>
+            <a:spLocks noGrp="1"/>
+          </p:cNvSpPr>
+          <p:nvPr>
+            <p:ph type="sldNum" sz="quarter" idx="10"/>
+          </p:nvPr>
+        </p:nvSpPr>
+        <p:spPr/>
+        <p:txBody>
+          <a:bodyPr/>
+          <a:lstStyle/>
+          <a:p>
+            <a:fld id="{57E63A1E-426D-4238-9128-3C63CF954FD1}" type="slidenum">
+              <a:rPr lang="de-CH" smtClean="0"/>
+              <a:t>14</a:t>
+            </a:fld>
+            <a:endParaRPr lang="de-CH"/>
+          </a:p>
+        </p:txBody>
+      </p:sp>
+    </p:spTree>
+    <p:extLst>
+      <p:ext uri="{BB962C8B-B14F-4D97-AF65-F5344CB8AC3E}">
+        <p14:creationId xmlns:p14="http://schemas.microsoft.com/office/powerpoint/2010/main" val="888283495"/>
+      </p:ext>
+    </p:extLst>
+  </p:cSld>
+  <p:clrMapOvr>
+    <a:masterClrMapping/>
+  </p:clrMapOvr>
+</p:notes>
+</file>
+
+<file path=ppt/notesSlides/notesSlide15.xml><?xml version="1.0" encoding="utf-8"?>
+<p:notes xmlns:a="http://schemas.openxmlformats.org/drawingml/2006/main" xmlns:r="http://schemas.openxmlformats.org/officeDocument/2006/relationships" xmlns:p="http://schemas.openxmlformats.org/presentationml/2006/main">
+  <p:cSld>
+    <p:spTree>
+      <p:nvGrpSpPr>
+        <p:cNvPr id="1" name=""/>
+        <p:cNvGrpSpPr/>
+        <p:nvPr/>
+      </p:nvGrpSpPr>
+      <p:grpSpPr>
+        <a:xfrm>
+          <a:off x="0" y="0"/>
+          <a:ext cx="0" cy="0"/>
+          <a:chOff x="0" y="0"/>
+          <a:chExt cx="0" cy="0"/>
+        </a:xfrm>
+      </p:grpSpPr>
+      <p:sp>
+        <p:nvSpPr>
+          <p:cNvPr id="2" name="Folienbildplatzhalter 1"/>
+          <p:cNvSpPr>
+            <a:spLocks noGrp="1" noRot="1" noChangeAspect="1"/>
+          </p:cNvSpPr>
+          <p:nvPr>
+            <p:ph type="sldImg"/>
+          </p:nvPr>
+        </p:nvSpPr>
+        <p:spPr/>
+      </p:sp>
+      <p:sp>
+        <p:nvSpPr>
+          <p:cNvPr id="3" name="Notizenplatzhalter 2"/>
+          <p:cNvSpPr>
+            <a:spLocks noGrp="1"/>
+          </p:cNvSpPr>
+          <p:nvPr>
+            <p:ph type="body" idx="1"/>
+          </p:nvPr>
+        </p:nvSpPr>
+        <p:spPr/>
+        <p:txBody>
+          <a:bodyPr/>
+          <a:lstStyle/>
+          <a:p>
+            <a:pPr marL="0" marR="0" lvl="0" indent="0" algn="l" defTabSz="914400" rtl="0" eaLnBrk="1" fontAlgn="auto" latinLnBrk="0" hangingPunct="1">
+              <a:lnSpc>
+                <a:spcPct val="100000"/>
+              </a:lnSpc>
+              <a:spcBef>
+                <a:spcPts val="0"/>
+              </a:spcBef>
+              <a:spcAft>
+                <a:spcPts val="0"/>
+              </a:spcAft>
+              <a:buClrTx/>
+              <a:buSzTx/>
+              <a:buFontTx/>
+              <a:buNone/>
+              <a:tabLst/>
+              <a:defRPr/>
+            </a:pPr>
+            <a:r>
+              <a:rPr lang="de-CH" dirty="0" err="1" smtClean="0"/>
+              <a:t>Lele</a:t>
+            </a:r>
+            <a:r>
+              <a:rPr lang="de-CH" dirty="0" smtClean="0"/>
+              <a:t/>
+            </a:r>
+            <a:br>
+              <a:rPr lang="de-CH" dirty="0" smtClean="0"/>
+            </a:br>
+            <a:r>
+              <a:rPr lang="de-CH" dirty="0" smtClean="0"/>
+              <a:t/>
+            </a:r>
+            <a:br>
+              <a:rPr lang="de-CH" dirty="0" smtClean="0"/>
+            </a:br>
+            <a:r>
+              <a:rPr lang="de-CH" dirty="0" smtClean="0"/>
+              <a:t>Während der Erstellung der Story Boards haben wir viel Spass gehabt. Das war für die Kreativphase sehr hilfreich und es sind viele gute Ideen aufgekommen.</a:t>
+            </a:r>
+          </a:p>
+          <a:p>
+            <a:endParaRPr lang="de-CH" dirty="0"/>
+          </a:p>
+        </p:txBody>
+      </p:sp>
+      <p:sp>
+        <p:nvSpPr>
+          <p:cNvPr id="4" name="Foliennummernplatzhalter 3"/>
+          <p:cNvSpPr>
+            <a:spLocks noGrp="1"/>
+          </p:cNvSpPr>
+          <p:nvPr>
+            <p:ph type="sldNum" sz="quarter" idx="10"/>
+          </p:nvPr>
+        </p:nvSpPr>
+        <p:spPr/>
+        <p:txBody>
+          <a:bodyPr/>
+          <a:lstStyle/>
+          <a:p>
+            <a:fld id="{57E63A1E-426D-4238-9128-3C63CF954FD1}" type="slidenum">
+              <a:rPr lang="de-CH" smtClean="0"/>
+              <a:t>15</a:t>
+            </a:fld>
+            <a:endParaRPr lang="de-CH"/>
+          </a:p>
+        </p:txBody>
+      </p:sp>
+    </p:spTree>
+    <p:extLst>
+      <p:ext uri="{BB962C8B-B14F-4D97-AF65-F5344CB8AC3E}">
+        <p14:creationId xmlns:p14="http://schemas.microsoft.com/office/powerpoint/2010/main" val="1396502892"/>
+      </p:ext>
+    </p:extLst>
+  </p:cSld>
+  <p:clrMapOvr>
+    <a:masterClrMapping/>
+  </p:clrMapOvr>
+</p:notes>
+</file>
+
+<file path=ppt/notesSlides/notesSlide16.xml><?xml version="1.0" encoding="utf-8"?>
+<p:notes xmlns:a="http://schemas.openxmlformats.org/drawingml/2006/main" xmlns:r="http://schemas.openxmlformats.org/officeDocument/2006/relationships" xmlns:p="http://schemas.openxmlformats.org/presentationml/2006/main">
+  <p:cSld>
+    <p:spTree>
+      <p:nvGrpSpPr>
+        <p:cNvPr id="1" name=""/>
+        <p:cNvGrpSpPr/>
+        <p:nvPr/>
+      </p:nvGrpSpPr>
+      <p:grpSpPr>
+        <a:xfrm>
+          <a:off x="0" y="0"/>
+          <a:ext cx="0" cy="0"/>
+          <a:chOff x="0" y="0"/>
+          <a:chExt cx="0" cy="0"/>
+        </a:xfrm>
+      </p:grpSpPr>
+      <p:sp>
+        <p:nvSpPr>
+          <p:cNvPr id="2" name="Folienbildplatzhalter 1"/>
+          <p:cNvSpPr>
+            <a:spLocks noGrp="1" noRot="1" noChangeAspect="1"/>
+          </p:cNvSpPr>
+          <p:nvPr>
+            <p:ph type="sldImg"/>
+          </p:nvPr>
+        </p:nvSpPr>
+        <p:spPr/>
+      </p:sp>
+      <p:sp>
+        <p:nvSpPr>
+          <p:cNvPr id="3" name="Notizenplatzhalter 2"/>
+          <p:cNvSpPr>
+            <a:spLocks noGrp="1"/>
+          </p:cNvSpPr>
+          <p:nvPr>
+            <p:ph type="body" idx="1"/>
+          </p:nvPr>
+        </p:nvSpPr>
+        <p:spPr/>
+        <p:txBody>
+          <a:bodyPr/>
+          <a:lstStyle/>
+          <a:p>
+            <a:r>
+              <a:rPr lang="de-CH" dirty="0" smtClean="0"/>
+              <a:t>Joy</a:t>
+            </a:r>
+            <a:br>
+              <a:rPr lang="de-CH" dirty="0" smtClean="0"/>
+            </a:br>
+            <a:endParaRPr lang="de-CH" dirty="0" smtClean="0"/>
+          </a:p>
+          <a:p>
+            <a:r>
+              <a:rPr lang="de-CH" b="1" dirty="0" err="1" smtClean="0"/>
+              <a:t>Use</a:t>
+            </a:r>
+            <a:r>
+              <a:rPr lang="de-CH" b="1" dirty="0" smtClean="0"/>
+              <a:t> Cases</a:t>
+            </a:r>
+          </a:p>
+          <a:p>
+            <a:r>
+              <a:rPr lang="de-CH" dirty="0" smtClean="0"/>
+              <a:t>Während den Projekttasks hatten wir die Aufgabe, die wichtigsten </a:t>
+            </a:r>
+            <a:r>
+              <a:rPr lang="de-CH" dirty="0" err="1" smtClean="0"/>
+              <a:t>Use</a:t>
+            </a:r>
+            <a:r>
+              <a:rPr lang="de-CH" dirty="0" smtClean="0"/>
+              <a:t> Cases aufzuführen. Da diese sehr High Level sind und somit viel Vorarbeit voraussetzen, konnten diese in den ersten 3 Sprints nicht umgesetzt werden. Es wäre für uns hilfreicher gewesen, wenn die Aufgabenstellung eine Beschreibung der 2 zu implementierenden ersten </a:t>
+            </a:r>
+            <a:r>
+              <a:rPr lang="de-CH" dirty="0" err="1" smtClean="0"/>
+              <a:t>Use</a:t>
+            </a:r>
+            <a:r>
+              <a:rPr lang="de-CH" dirty="0" smtClean="0"/>
+              <a:t> Cases gewesen wäre, so dass man die Ergebnisse direkt in die weitere Arbeit einfliessen lassen könnte.</a:t>
+            </a:r>
+          </a:p>
+          <a:p>
+            <a:r>
+              <a:rPr lang="de-CH" dirty="0" smtClean="0"/>
+              <a:t/>
+            </a:r>
+            <a:br>
+              <a:rPr lang="de-CH" dirty="0" smtClean="0"/>
+            </a:br>
+            <a:r>
+              <a:rPr lang="de-CH" dirty="0" smtClean="0"/>
+              <a:t>Durch viele interessante Diskussionen hatten wir schon alle ähnliche Vorstellungen, wie das Design aussehen solle.</a:t>
+            </a:r>
+          </a:p>
+          <a:p>
+            <a:r>
+              <a:rPr lang="de-CH" dirty="0" smtClean="0"/>
+              <a:t>Erster Entwurf vom UML Diagramm lieber weniger detailliert dafür die Schnittstellen und Zusammenhänge besser durchdenken.</a:t>
+            </a:r>
+          </a:p>
+          <a:p>
+            <a:endParaRPr lang="de-CH" dirty="0"/>
+          </a:p>
+        </p:txBody>
+      </p:sp>
+      <p:sp>
+        <p:nvSpPr>
+          <p:cNvPr id="4" name="Foliennummernplatzhalter 3"/>
+          <p:cNvSpPr>
+            <a:spLocks noGrp="1"/>
+          </p:cNvSpPr>
+          <p:nvPr>
+            <p:ph type="sldNum" sz="quarter" idx="10"/>
+          </p:nvPr>
+        </p:nvSpPr>
+        <p:spPr/>
+        <p:txBody>
+          <a:bodyPr/>
+          <a:lstStyle/>
+          <a:p>
+            <a:fld id="{57E63A1E-426D-4238-9128-3C63CF954FD1}" type="slidenum">
+              <a:rPr lang="de-CH" smtClean="0"/>
+              <a:t>16</a:t>
+            </a:fld>
+            <a:endParaRPr lang="de-CH"/>
+          </a:p>
+        </p:txBody>
+      </p:sp>
+    </p:spTree>
+    <p:extLst>
+      <p:ext uri="{BB962C8B-B14F-4D97-AF65-F5344CB8AC3E}">
+        <p14:creationId xmlns:p14="http://schemas.microsoft.com/office/powerpoint/2010/main" val="2303976715"/>
+      </p:ext>
+    </p:extLst>
+  </p:cSld>
+  <p:clrMapOvr>
+    <a:masterClrMapping/>
+  </p:clrMapOvr>
+</p:notes>
+</file>
+
+<file path=ppt/notesSlides/notesSlide17.xml><?xml version="1.0" encoding="utf-8"?>
+<p:notes xmlns:a="http://schemas.openxmlformats.org/drawingml/2006/main" xmlns:r="http://schemas.openxmlformats.org/officeDocument/2006/relationships" xmlns:p="http://schemas.openxmlformats.org/presentationml/2006/main">
+  <p:cSld>
+    <p:spTree>
+      <p:nvGrpSpPr>
+        <p:cNvPr id="1" name=""/>
+        <p:cNvGrpSpPr/>
+        <p:nvPr/>
+      </p:nvGrpSpPr>
+      <p:grpSpPr>
+        <a:xfrm>
+          <a:off x="0" y="0"/>
+          <a:ext cx="0" cy="0"/>
+          <a:chOff x="0" y="0"/>
+          <a:chExt cx="0" cy="0"/>
+        </a:xfrm>
+      </p:grpSpPr>
+      <p:sp>
+        <p:nvSpPr>
+          <p:cNvPr id="2" name="Folienbildplatzhalter 1"/>
+          <p:cNvSpPr>
+            <a:spLocks noGrp="1" noRot="1" noChangeAspect="1"/>
+          </p:cNvSpPr>
+          <p:nvPr>
+            <p:ph type="sldImg"/>
+          </p:nvPr>
+        </p:nvSpPr>
+        <p:spPr/>
+      </p:sp>
+      <p:sp>
+        <p:nvSpPr>
+          <p:cNvPr id="3" name="Notizenplatzhalter 2"/>
+          <p:cNvSpPr>
+            <a:spLocks noGrp="1"/>
+          </p:cNvSpPr>
+          <p:nvPr>
+            <p:ph type="body" idx="1"/>
+          </p:nvPr>
+        </p:nvSpPr>
+        <p:spPr/>
+        <p:txBody>
+          <a:bodyPr/>
+          <a:lstStyle/>
+          <a:p>
+            <a:r>
+              <a:rPr lang="de-CH" dirty="0" smtClean="0"/>
+              <a:t>Joy</a:t>
+            </a:r>
+            <a:endParaRPr lang="de-CH" dirty="0"/>
+          </a:p>
+        </p:txBody>
+      </p:sp>
+      <p:sp>
+        <p:nvSpPr>
+          <p:cNvPr id="4" name="Foliennummernplatzhalter 3"/>
+          <p:cNvSpPr>
+            <a:spLocks noGrp="1"/>
+          </p:cNvSpPr>
+          <p:nvPr>
+            <p:ph type="sldNum" sz="quarter" idx="10"/>
+          </p:nvPr>
+        </p:nvSpPr>
+        <p:spPr/>
+        <p:txBody>
+          <a:bodyPr/>
+          <a:lstStyle/>
+          <a:p>
+            <a:fld id="{57E63A1E-426D-4238-9128-3C63CF954FD1}" type="slidenum">
+              <a:rPr lang="de-CH" smtClean="0"/>
+              <a:t>17</a:t>
+            </a:fld>
+            <a:endParaRPr lang="de-CH"/>
+          </a:p>
+        </p:txBody>
+      </p:sp>
+    </p:spTree>
+    <p:extLst>
+      <p:ext uri="{BB962C8B-B14F-4D97-AF65-F5344CB8AC3E}">
+        <p14:creationId xmlns:p14="http://schemas.microsoft.com/office/powerpoint/2010/main" val="3447612712"/>
+      </p:ext>
+    </p:extLst>
+  </p:cSld>
+  <p:clrMapOvr>
+    <a:masterClrMapping/>
+  </p:clrMapOvr>
+</p:notes>
+</file>
+
+<file path=ppt/notesSlides/notesSlide18.xml><?xml version="1.0" encoding="utf-8"?>
+<p:notes xmlns:a="http://schemas.openxmlformats.org/drawingml/2006/main" xmlns:r="http://schemas.openxmlformats.org/officeDocument/2006/relationships" xmlns:p="http://schemas.openxmlformats.org/presentationml/2006/main">
+  <p:cSld>
+    <p:spTree>
+      <p:nvGrpSpPr>
+        <p:cNvPr id="1" name=""/>
+        <p:cNvGrpSpPr/>
+        <p:nvPr/>
+      </p:nvGrpSpPr>
+      <p:grpSpPr>
+        <a:xfrm>
+          <a:off x="0" y="0"/>
+          <a:ext cx="0" cy="0"/>
+          <a:chOff x="0" y="0"/>
+          <a:chExt cx="0" cy="0"/>
+        </a:xfrm>
+      </p:grpSpPr>
+      <p:sp>
+        <p:nvSpPr>
+          <p:cNvPr id="2" name="Folienbildplatzhalter 1"/>
+          <p:cNvSpPr>
+            <a:spLocks noGrp="1" noRot="1" noChangeAspect="1"/>
+          </p:cNvSpPr>
+          <p:nvPr>
+            <p:ph type="sldImg"/>
+          </p:nvPr>
+        </p:nvSpPr>
+        <p:spPr/>
+      </p:sp>
+      <p:sp>
+        <p:nvSpPr>
+          <p:cNvPr id="3" name="Notizenplatzhalter 2"/>
+          <p:cNvSpPr>
+            <a:spLocks noGrp="1"/>
+          </p:cNvSpPr>
+          <p:nvPr>
+            <p:ph type="body" idx="1"/>
+          </p:nvPr>
+        </p:nvSpPr>
+        <p:spPr/>
+        <p:txBody>
+          <a:bodyPr/>
+          <a:lstStyle/>
+          <a:p>
+            <a:r>
+              <a:rPr lang="de-CH" dirty="0" smtClean="0"/>
+              <a:t>Joy</a:t>
+            </a:r>
+            <a:endParaRPr lang="de-CH" dirty="0"/>
+          </a:p>
+        </p:txBody>
+      </p:sp>
+      <p:sp>
+        <p:nvSpPr>
+          <p:cNvPr id="4" name="Foliennummernplatzhalter 3"/>
+          <p:cNvSpPr>
+            <a:spLocks noGrp="1"/>
+          </p:cNvSpPr>
+          <p:nvPr>
+            <p:ph type="sldNum" sz="quarter" idx="10"/>
+          </p:nvPr>
+        </p:nvSpPr>
+        <p:spPr/>
+        <p:txBody>
+          <a:bodyPr/>
+          <a:lstStyle/>
+          <a:p>
+            <a:fld id="{57E63A1E-426D-4238-9128-3C63CF954FD1}" type="slidenum">
+              <a:rPr lang="de-CH" smtClean="0"/>
+              <a:t>18</a:t>
+            </a:fld>
+            <a:endParaRPr lang="de-CH"/>
+          </a:p>
+        </p:txBody>
+      </p:sp>
+    </p:spTree>
+    <p:extLst>
+      <p:ext uri="{BB962C8B-B14F-4D97-AF65-F5344CB8AC3E}">
+        <p14:creationId xmlns:p14="http://schemas.microsoft.com/office/powerpoint/2010/main" val="3023531934"/>
+      </p:ext>
+    </p:extLst>
+  </p:cSld>
+  <p:clrMapOvr>
+    <a:masterClrMapping/>
+  </p:clrMapOvr>
+</p:notes>
+</file>
+
+<file path=ppt/notesSlides/notesSlide19.xml><?xml version="1.0" encoding="utf-8"?>
+<p:notes xmlns:a="http://schemas.openxmlformats.org/drawingml/2006/main" xmlns:r="http://schemas.openxmlformats.org/officeDocument/2006/relationships" xmlns:p="http://schemas.openxmlformats.org/presentationml/2006/main">
+  <p:cSld>
+    <p:spTree>
+      <p:nvGrpSpPr>
+        <p:cNvPr id="1" name=""/>
+        <p:cNvGrpSpPr/>
+        <p:nvPr/>
+      </p:nvGrpSpPr>
+      <p:grpSpPr>
+        <a:xfrm>
+          <a:off x="0" y="0"/>
+          <a:ext cx="0" cy="0"/>
+          <a:chOff x="0" y="0"/>
+          <a:chExt cx="0" cy="0"/>
+        </a:xfrm>
+      </p:grpSpPr>
+      <p:sp>
+        <p:nvSpPr>
+          <p:cNvPr id="2" name="Folienbildplatzhalter 1"/>
+          <p:cNvSpPr>
+            <a:spLocks noGrp="1" noRot="1" noChangeAspect="1"/>
+          </p:cNvSpPr>
+          <p:nvPr>
+            <p:ph type="sldImg"/>
+          </p:nvPr>
+        </p:nvSpPr>
+        <p:spPr/>
+      </p:sp>
+      <p:sp>
+        <p:nvSpPr>
+          <p:cNvPr id="3" name="Notizenplatzhalter 2"/>
+          <p:cNvSpPr>
+            <a:spLocks noGrp="1"/>
+          </p:cNvSpPr>
+          <p:nvPr>
+            <p:ph type="body" idx="1"/>
+          </p:nvPr>
+        </p:nvSpPr>
+        <p:spPr/>
+        <p:txBody>
+          <a:bodyPr/>
+          <a:lstStyle/>
+          <a:p>
+            <a:r>
+              <a:rPr lang="de-CH" dirty="0" err="1" smtClean="0"/>
+              <a:t>lele</a:t>
+            </a:r>
+            <a:r>
+              <a:rPr lang="de-CH" dirty="0" smtClean="0"/>
+              <a:t/>
+            </a:r>
+            <a:br>
+              <a:rPr lang="de-CH" dirty="0" smtClean="0"/>
+            </a:br>
+            <a:r>
+              <a:rPr lang="de-CH" dirty="0" smtClean="0"/>
+              <a:t/>
+            </a:r>
+            <a:br>
+              <a:rPr lang="de-CH" dirty="0" smtClean="0"/>
+            </a:br>
+            <a:r>
+              <a:rPr lang="de-CH" dirty="0" smtClean="0"/>
+              <a:t>Für die Implementation haben wir für uns den Entwicklungsprozess definiert. Dieser hat sich sehr bewährt, da für jeden klar war, wo man spielen und testen kann und wie man an </a:t>
+            </a:r>
+            <a:r>
+              <a:rPr lang="de-CH" dirty="0" err="1" smtClean="0"/>
+              <a:t>features</a:t>
+            </a:r>
+            <a:r>
+              <a:rPr lang="de-CH" dirty="0" smtClean="0"/>
+              <a:t> / </a:t>
+            </a:r>
+            <a:r>
+              <a:rPr lang="de-CH" dirty="0" err="1" smtClean="0"/>
+              <a:t>tasks</a:t>
+            </a:r>
+            <a:r>
+              <a:rPr lang="de-CH" dirty="0" smtClean="0"/>
+              <a:t> arbeitet.</a:t>
+            </a:r>
+          </a:p>
+          <a:p>
+            <a:r>
+              <a:rPr lang="de-CH" dirty="0" smtClean="0"/>
+              <a:t>Ein </a:t>
+            </a:r>
+            <a:r>
+              <a:rPr lang="de-CH" dirty="0" err="1" smtClean="0"/>
+              <a:t>Build</a:t>
+            </a:r>
+            <a:r>
+              <a:rPr lang="de-CH" dirty="0" smtClean="0"/>
+              <a:t> Job wäre allgemein praktisch gewesen, so dass man nicht plötzlich komische Differenzen zwischen verschiedenen Entwicklern hat.</a:t>
+            </a:r>
+          </a:p>
+          <a:p>
+            <a:endParaRPr lang="de-CH" dirty="0"/>
+          </a:p>
+        </p:txBody>
+      </p:sp>
+      <p:sp>
+        <p:nvSpPr>
+          <p:cNvPr id="4" name="Foliennummernplatzhalter 3"/>
+          <p:cNvSpPr>
+            <a:spLocks noGrp="1"/>
+          </p:cNvSpPr>
+          <p:nvPr>
+            <p:ph type="sldNum" sz="quarter" idx="10"/>
+          </p:nvPr>
+        </p:nvSpPr>
+        <p:spPr/>
+        <p:txBody>
+          <a:bodyPr/>
+          <a:lstStyle/>
+          <a:p>
+            <a:fld id="{57E63A1E-426D-4238-9128-3C63CF954FD1}" type="slidenum">
+              <a:rPr lang="de-CH" smtClean="0"/>
+              <a:t>19</a:t>
+            </a:fld>
+            <a:endParaRPr lang="de-CH"/>
+          </a:p>
+        </p:txBody>
+      </p:sp>
+    </p:spTree>
+    <p:extLst>
+      <p:ext uri="{BB962C8B-B14F-4D97-AF65-F5344CB8AC3E}">
+        <p14:creationId xmlns:p14="http://schemas.microsoft.com/office/powerpoint/2010/main" val="1920920285"/>
       </p:ext>
     </p:extLst>
   </p:cSld>
@@ -641,15 +1642,9 @@
           <a:lstStyle/>
           <a:p>
             <a:r>
-              <a:rPr lang="de-CH" dirty="0" smtClean="0"/>
-              <a:t>Nach</a:t>
-            </a:r>
-            <a:r>
-              <a:rPr lang="de-CH" baseline="0" dirty="0" smtClean="0"/>
-              <a:t> dem Interview war klar was es braucht</a:t>
-            </a:r>
-          </a:p>
-          <a:p>
+              <a:rPr lang="de-CH" dirty="0" err="1" smtClean="0"/>
+              <a:t>Lele</a:t>
+            </a:r>
             <a:endParaRPr lang="de-CH" dirty="0"/>
           </a:p>
         </p:txBody>
@@ -671,7 +1666,7 @@
           <a:p>
             <a:fld id="{57E63A1E-426D-4238-9128-3C63CF954FD1}" type="slidenum">
               <a:rPr lang="de-CH" smtClean="0"/>
-              <a:t>4</a:t>
+              <a:t>2</a:t>
             </a:fld>
             <a:endParaRPr lang="de-CH"/>
           </a:p>
@@ -680,7 +1675,255 @@
     </p:spTree>
     <p:extLst>
       <p:ext uri="{BB962C8B-B14F-4D97-AF65-F5344CB8AC3E}">
-        <p14:creationId xmlns:p14="http://schemas.microsoft.com/office/powerpoint/2010/main" val="837729397"/>
+        <p14:creationId xmlns:p14="http://schemas.microsoft.com/office/powerpoint/2010/main" val="3187320939"/>
+      </p:ext>
+    </p:extLst>
+  </p:cSld>
+  <p:clrMapOvr>
+    <a:masterClrMapping/>
+  </p:clrMapOvr>
+</p:notes>
+</file>
+
+<file path=ppt/notesSlides/notesSlide20.xml><?xml version="1.0" encoding="utf-8"?>
+<p:notes xmlns:a="http://schemas.openxmlformats.org/drawingml/2006/main" xmlns:r="http://schemas.openxmlformats.org/officeDocument/2006/relationships" xmlns:p="http://schemas.openxmlformats.org/presentationml/2006/main">
+  <p:cSld>
+    <p:spTree>
+      <p:nvGrpSpPr>
+        <p:cNvPr id="1" name=""/>
+        <p:cNvGrpSpPr/>
+        <p:nvPr/>
+      </p:nvGrpSpPr>
+      <p:grpSpPr>
+        <a:xfrm>
+          <a:off x="0" y="0"/>
+          <a:ext cx="0" cy="0"/>
+          <a:chOff x="0" y="0"/>
+          <a:chExt cx="0" cy="0"/>
+        </a:xfrm>
+      </p:grpSpPr>
+      <p:sp>
+        <p:nvSpPr>
+          <p:cNvPr id="2" name="Folienbildplatzhalter 1"/>
+          <p:cNvSpPr>
+            <a:spLocks noGrp="1" noRot="1" noChangeAspect="1"/>
+          </p:cNvSpPr>
+          <p:nvPr>
+            <p:ph type="sldImg"/>
+          </p:nvPr>
+        </p:nvSpPr>
+        <p:spPr/>
+      </p:sp>
+      <p:sp>
+        <p:nvSpPr>
+          <p:cNvPr id="3" name="Notizenplatzhalter 2"/>
+          <p:cNvSpPr>
+            <a:spLocks noGrp="1"/>
+          </p:cNvSpPr>
+          <p:nvPr>
+            <p:ph type="body" idx="1"/>
+          </p:nvPr>
+        </p:nvSpPr>
+        <p:spPr/>
+        <p:txBody>
+          <a:bodyPr/>
+          <a:lstStyle/>
+          <a:p>
+            <a:r>
+              <a:rPr lang="de-CH" dirty="0" err="1" smtClean="0"/>
+              <a:t>Lele</a:t>
+            </a:r>
+            <a:r>
+              <a:rPr lang="de-CH" dirty="0" smtClean="0"/>
+              <a:t/>
+            </a:r>
+            <a:br>
+              <a:rPr lang="de-CH" dirty="0" smtClean="0"/>
+            </a:br>
+            <a:r>
+              <a:rPr lang="de-CH" dirty="0" smtClean="0"/>
+              <a:t/>
+            </a:r>
+            <a:br>
+              <a:rPr lang="de-CH" dirty="0" smtClean="0"/>
+            </a:br>
+            <a:r>
+              <a:rPr lang="de-CH" dirty="0" smtClean="0"/>
+              <a:t>Es war teilweise ein Hindernis, dass der </a:t>
+            </a:r>
+            <a:r>
+              <a:rPr lang="de-CH" dirty="0" err="1" smtClean="0"/>
+              <a:t>Product</a:t>
+            </a:r>
+            <a:r>
+              <a:rPr lang="de-CH" dirty="0" smtClean="0"/>
+              <a:t> </a:t>
+            </a:r>
+            <a:r>
+              <a:rPr lang="de-CH" dirty="0" err="1" smtClean="0"/>
+              <a:t>Owner</a:t>
+            </a:r>
+            <a:r>
+              <a:rPr lang="de-CH" dirty="0" smtClean="0"/>
+              <a:t> nicht anwesend war bzw. selten dabei war, da der Dozent den </a:t>
+            </a:r>
+            <a:r>
+              <a:rPr lang="de-CH" dirty="0" err="1" smtClean="0"/>
+              <a:t>Product</a:t>
+            </a:r>
+            <a:r>
+              <a:rPr lang="de-CH" dirty="0" smtClean="0"/>
+              <a:t> </a:t>
+            </a:r>
+            <a:r>
+              <a:rPr lang="de-CH" dirty="0" err="1" smtClean="0"/>
+              <a:t>Owner</a:t>
+            </a:r>
+            <a:r>
+              <a:rPr lang="de-CH" dirty="0" smtClean="0"/>
+              <a:t> darstellte und dieser natürlich bei allen Gruppen dabei sein musste.</a:t>
+            </a:r>
+          </a:p>
+          <a:p>
+            <a:r>
+              <a:rPr lang="de-CH" dirty="0" smtClean="0"/>
+              <a:t>Ansonsten waren die Cockpits auf </a:t>
+            </a:r>
+            <a:r>
+              <a:rPr lang="de-CH" dirty="0" err="1" smtClean="0"/>
+              <a:t>Github</a:t>
+            </a:r>
+            <a:r>
+              <a:rPr lang="de-CH" dirty="0" smtClean="0"/>
+              <a:t> bzw. TFS für SCRUM sehr hilfreich, da diese ziemlich gut die Situation darstellten.</a:t>
+            </a:r>
+          </a:p>
+          <a:p>
+            <a:r>
+              <a:rPr lang="de-CH" dirty="0" smtClean="0"/>
+              <a:t>Den Entwicklungsprozess kann man noch verfeinern (Code Reviews, CI/CD, Verantwortlichkeiten noch mehr definieren)</a:t>
+            </a:r>
+          </a:p>
+          <a:p>
+            <a:endParaRPr lang="de-CH" dirty="0"/>
+          </a:p>
+        </p:txBody>
+      </p:sp>
+      <p:sp>
+        <p:nvSpPr>
+          <p:cNvPr id="4" name="Foliennummernplatzhalter 3"/>
+          <p:cNvSpPr>
+            <a:spLocks noGrp="1"/>
+          </p:cNvSpPr>
+          <p:nvPr>
+            <p:ph type="sldNum" sz="quarter" idx="10"/>
+          </p:nvPr>
+        </p:nvSpPr>
+        <p:spPr/>
+        <p:txBody>
+          <a:bodyPr/>
+          <a:lstStyle/>
+          <a:p>
+            <a:fld id="{57E63A1E-426D-4238-9128-3C63CF954FD1}" type="slidenum">
+              <a:rPr lang="de-CH" smtClean="0"/>
+              <a:t>20</a:t>
+            </a:fld>
+            <a:endParaRPr lang="de-CH"/>
+          </a:p>
+        </p:txBody>
+      </p:sp>
+    </p:spTree>
+    <p:extLst>
+      <p:ext uri="{BB962C8B-B14F-4D97-AF65-F5344CB8AC3E}">
+        <p14:creationId xmlns:p14="http://schemas.microsoft.com/office/powerpoint/2010/main" val="1843431228"/>
+      </p:ext>
+    </p:extLst>
+  </p:cSld>
+  <p:clrMapOvr>
+    <a:masterClrMapping/>
+  </p:clrMapOvr>
+</p:notes>
+</file>
+
+<file path=ppt/notesSlides/notesSlide21.xml><?xml version="1.0" encoding="utf-8"?>
+<p:notes xmlns:a="http://schemas.openxmlformats.org/drawingml/2006/main" xmlns:r="http://schemas.openxmlformats.org/officeDocument/2006/relationships" xmlns:p="http://schemas.openxmlformats.org/presentationml/2006/main">
+  <p:cSld>
+    <p:spTree>
+      <p:nvGrpSpPr>
+        <p:cNvPr id="1" name=""/>
+        <p:cNvGrpSpPr/>
+        <p:nvPr/>
+      </p:nvGrpSpPr>
+      <p:grpSpPr>
+        <a:xfrm>
+          <a:off x="0" y="0"/>
+          <a:ext cx="0" cy="0"/>
+          <a:chOff x="0" y="0"/>
+          <a:chExt cx="0" cy="0"/>
+        </a:xfrm>
+      </p:grpSpPr>
+      <p:sp>
+        <p:nvSpPr>
+          <p:cNvPr id="2" name="Folienbildplatzhalter 1"/>
+          <p:cNvSpPr>
+            <a:spLocks noGrp="1" noRot="1" noChangeAspect="1"/>
+          </p:cNvSpPr>
+          <p:nvPr>
+            <p:ph type="sldImg"/>
+          </p:nvPr>
+        </p:nvSpPr>
+        <p:spPr/>
+      </p:sp>
+      <p:sp>
+        <p:nvSpPr>
+          <p:cNvPr id="3" name="Notizenplatzhalter 2"/>
+          <p:cNvSpPr>
+            <a:spLocks noGrp="1"/>
+          </p:cNvSpPr>
+          <p:nvPr>
+            <p:ph type="body" idx="1"/>
+          </p:nvPr>
+        </p:nvSpPr>
+        <p:spPr/>
+        <p:txBody>
+          <a:bodyPr/>
+          <a:lstStyle/>
+          <a:p>
+            <a:r>
+              <a:rPr lang="de-CH" dirty="0" smtClean="0"/>
+              <a:t>Joy</a:t>
+            </a:r>
+            <a:endParaRPr lang="de-CH" dirty="0"/>
+          </a:p>
+        </p:txBody>
+      </p:sp>
+      <p:sp>
+        <p:nvSpPr>
+          <p:cNvPr id="4" name="Foliennummernplatzhalter 3"/>
+          <p:cNvSpPr>
+            <a:spLocks noGrp="1"/>
+          </p:cNvSpPr>
+          <p:nvPr>
+            <p:ph type="sldNum" sz="quarter" idx="10"/>
+          </p:nvPr>
+        </p:nvSpPr>
+        <p:spPr/>
+        <p:txBody>
+          <a:bodyPr/>
+          <a:lstStyle/>
+          <a:p>
+            <a:fld id="{57E63A1E-426D-4238-9128-3C63CF954FD1}" type="slidenum">
+              <a:rPr lang="de-CH" smtClean="0"/>
+              <a:t>21</a:t>
+            </a:fld>
+            <a:endParaRPr lang="de-CH"/>
+          </a:p>
+        </p:txBody>
+      </p:sp>
+    </p:spTree>
+    <p:extLst>
+      <p:ext uri="{BB962C8B-B14F-4D97-AF65-F5344CB8AC3E}">
+        <p14:creationId xmlns:p14="http://schemas.microsoft.com/office/powerpoint/2010/main" val="3586202718"/>
       </p:ext>
     </p:extLst>
   </p:cSld>
@@ -734,6 +1977,30 @@
           <a:bodyPr/>
           <a:lstStyle/>
           <a:p>
+            <a:r>
+              <a:rPr lang="de-CH" dirty="0" smtClean="0"/>
+              <a:t>Joy</a:t>
+            </a:r>
+            <a:br>
+              <a:rPr lang="de-CH" dirty="0" smtClean="0"/>
+            </a:br>
+            <a:r>
+              <a:rPr lang="de-CH" dirty="0" smtClean="0"/>
+              <a:t/>
+            </a:r>
+            <a:br>
+              <a:rPr lang="de-CH" dirty="0" smtClean="0"/>
+            </a:br>
+            <a:r>
+              <a:rPr lang="de-CH" dirty="0" smtClean="0"/>
+              <a:t>Nach</a:t>
+            </a:r>
+            <a:r>
+              <a:rPr lang="de-CH" baseline="0" dirty="0" smtClean="0"/>
+              <a:t> dem Interview war klar was es braucht</a:t>
+            </a:r>
+          </a:p>
+          <a:p>
             <a:endParaRPr lang="de-CH" dirty="0"/>
           </a:p>
         </p:txBody>
@@ -755,7 +2022,7 @@
           <a:p>
             <a:fld id="{57E63A1E-426D-4238-9128-3C63CF954FD1}" type="slidenum">
               <a:rPr lang="de-CH" smtClean="0"/>
-              <a:t>5</a:t>
+              <a:t>3</a:t>
             </a:fld>
             <a:endParaRPr lang="de-CH"/>
           </a:p>
@@ -764,7 +2031,7 @@
     </p:spTree>
     <p:extLst>
       <p:ext uri="{BB962C8B-B14F-4D97-AF65-F5344CB8AC3E}">
-        <p14:creationId xmlns:p14="http://schemas.microsoft.com/office/powerpoint/2010/main" val="1303206414"/>
+        <p14:creationId xmlns:p14="http://schemas.microsoft.com/office/powerpoint/2010/main" val="837729397"/>
       </p:ext>
     </p:extLst>
   </p:cSld>
@@ -820,48 +2087,8 @@
           <a:p>
             <a:r>
               <a:rPr lang="de-CH" dirty="0" smtClean="0"/>
-              <a:t>Leandro:	</a:t>
-            </a:r>
-            <a:r>
-              <a:rPr lang="de-CH" dirty="0" err="1" smtClean="0"/>
-              <a:t>Scrum</a:t>
-            </a:r>
-            <a:r>
-              <a:rPr lang="de-CH" dirty="0" smtClean="0"/>
-              <a:t> Master</a:t>
-            </a:r>
-          </a:p>
-          <a:p>
-            <a:r>
-              <a:rPr lang="de-CH" dirty="0" smtClean="0"/>
-              <a:t>Joy:	MVP und State Pattern</a:t>
-            </a:r>
-          </a:p>
-          <a:p>
-            <a:r>
-              <a:rPr lang="de-CH" dirty="0" smtClean="0"/>
-              <a:t>Sascha:	Architektur</a:t>
-            </a:r>
-          </a:p>
-          <a:p>
-            <a:r>
-              <a:rPr lang="de-CH" dirty="0" smtClean="0"/>
-              <a:t>Yves:	Repository und Test</a:t>
-            </a:r>
-          </a:p>
-          <a:p>
-            <a:r>
-              <a:rPr lang="de-CH" dirty="0" smtClean="0"/>
-              <a:t>Boris:	Datenbank</a:t>
-            </a:r>
-          </a:p>
-          <a:p>
-            <a:r>
-              <a:rPr lang="de-CH" dirty="0" smtClean="0"/>
-              <a:t>Jasmin:	JDBC</a:t>
-            </a:r>
-          </a:p>
-          <a:p>
+              <a:t>Joy</a:t>
+            </a:r>
             <a:endParaRPr lang="de-CH" dirty="0"/>
           </a:p>
         </p:txBody>
@@ -883,7 +2110,7 @@
           <a:p>
             <a:fld id="{57E63A1E-426D-4238-9128-3C63CF954FD1}" type="slidenum">
               <a:rPr lang="de-CH" smtClean="0"/>
-              <a:t>9</a:t>
+              <a:t>4</a:t>
             </a:fld>
             <a:endParaRPr lang="de-CH"/>
           </a:p>
@@ -892,7 +2119,7 @@
     </p:spTree>
     <p:extLst>
       <p:ext uri="{BB962C8B-B14F-4D97-AF65-F5344CB8AC3E}">
-        <p14:creationId xmlns:p14="http://schemas.microsoft.com/office/powerpoint/2010/main" val="872931887"/>
+        <p14:creationId xmlns:p14="http://schemas.microsoft.com/office/powerpoint/2010/main" val="1303206414"/>
       </p:ext>
     </p:extLst>
   </p:cSld>
@@ -946,29 +2173,10 @@
           <a:bodyPr/>
           <a:lstStyle/>
           <a:p>
-            <a:pPr marL="0" marR="0" lvl="0" indent="0" algn="l" defTabSz="914400" rtl="0" eaLnBrk="1" fontAlgn="auto" latinLnBrk="0" hangingPunct="1">
-              <a:lnSpc>
-                <a:spcPct val="100000"/>
-              </a:lnSpc>
-              <a:spcBef>
-                <a:spcPts val="0"/>
-              </a:spcBef>
-              <a:spcAft>
-                <a:spcPts val="0"/>
-              </a:spcAft>
-              <a:buClrTx/>
-              <a:buSzTx/>
-              <a:buFontTx/>
-              <a:buNone/>
-              <a:tabLst/>
-              <a:defRPr/>
-            </a:pPr>
             <a:r>
               <a:rPr lang="de-CH" dirty="0" smtClean="0"/>
-              <a:t>Während der Erstellung der Story Boards haben wir viel Spass gehabt. Das war für die Kreativphase sehr hilfreich und es sind viele gute Ideen aufgekommen.</a:t>
-            </a:r>
-          </a:p>
-          <a:p>
+              <a:t>Joy</a:t>
+            </a:r>
             <a:endParaRPr lang="de-CH" dirty="0"/>
           </a:p>
         </p:txBody>
@@ -990,7 +2198,7 @@
           <a:p>
             <a:fld id="{57E63A1E-426D-4238-9128-3C63CF954FD1}" type="slidenum">
               <a:rPr lang="de-CH" smtClean="0"/>
-              <a:t>16</a:t>
+              <a:t>5</a:t>
             </a:fld>
             <a:endParaRPr lang="de-CH"/>
           </a:p>
@@ -999,7 +2207,7 @@
     </p:spTree>
     <p:extLst>
       <p:ext uri="{BB962C8B-B14F-4D97-AF65-F5344CB8AC3E}">
-        <p14:creationId xmlns:p14="http://schemas.microsoft.com/office/powerpoint/2010/main" val="1396502892"/>
+        <p14:creationId xmlns:p14="http://schemas.microsoft.com/office/powerpoint/2010/main" val="2039154400"/>
       </p:ext>
     </p:extLst>
   </p:cSld>
@@ -1054,61 +2262,9 @@
           <a:lstStyle/>
           <a:p>
             <a:r>
-              <a:rPr lang="de-CH" b="1" dirty="0" err="1" smtClean="0"/>
-              <a:t>Requirements</a:t>
-            </a:r>
-            <a:endParaRPr lang="de-CH" b="1" dirty="0" smtClean="0"/>
-          </a:p>
-          <a:p>
-            <a:r>
-              <a:rPr lang="de-CH" dirty="0" smtClean="0"/>
-              <a:t>Während der </a:t>
-            </a:r>
-            <a:r>
               <a:rPr lang="de-CH" dirty="0" err="1" smtClean="0"/>
-              <a:t>Requirementsanalyse</a:t>
-            </a:r>
-            <a:r>
-              <a:rPr lang="de-CH" dirty="0" smtClean="0"/>
-              <a:t> haben wir ein sehr interessantes Interview geführt. Es wäre sehr interessant gewesen, noch mehr solche durchzuführen, um noch andere Domänen und Meinungen zu hören.</a:t>
-            </a:r>
-          </a:p>
-          <a:p>
-            <a:r>
-              <a:rPr lang="de-CH" b="1" dirty="0" err="1" smtClean="0"/>
-              <a:t>Use</a:t>
-            </a:r>
-            <a:r>
-              <a:rPr lang="de-CH" b="1" dirty="0" smtClean="0"/>
-              <a:t> Cases</a:t>
-            </a:r>
-          </a:p>
-          <a:p>
-            <a:r>
-              <a:rPr lang="de-CH" dirty="0" smtClean="0"/>
-              <a:t>Während den Projekttasks hatten wir die Aufgabe, die wichtigsten </a:t>
-            </a:r>
-            <a:r>
-              <a:rPr lang="de-CH" dirty="0" err="1" smtClean="0"/>
-              <a:t>Use</a:t>
-            </a:r>
-            <a:r>
-              <a:rPr lang="de-CH" dirty="0" smtClean="0"/>
-              <a:t> Cases aufzuführen. Da diese sehr High Level sind und somit viel Vorarbeit voraussetzen, konnten diese in den ersten 3 Sprints nicht umgesetzt werden. Es wäre für uns hilfreicher gewesen, wenn die Aufgabenstellung eine Beschreibung der 2 zu implementierenden ersten </a:t>
-            </a:r>
-            <a:r>
-              <a:rPr lang="de-CH" dirty="0" err="1" smtClean="0"/>
-              <a:t>Use</a:t>
-            </a:r>
-            <a:r>
-              <a:rPr lang="de-CH" dirty="0" smtClean="0"/>
-              <a:t> Cases gewesen wäre, so dass man die Ergebnisse direkt in die weitere Arbeit einfliessen lassen könnte.</a:t>
-            </a:r>
-          </a:p>
-          <a:p>
-            <a:endParaRPr lang="de-CH" dirty="0" smtClean="0"/>
-          </a:p>
-          <a:p>
+              <a:t>Lele</a:t>
+            </a:r>
             <a:endParaRPr lang="de-CH" dirty="0"/>
           </a:p>
         </p:txBody>
@@ -1130,7 +2286,7 @@
           <a:p>
             <a:fld id="{57E63A1E-426D-4238-9128-3C63CF954FD1}" type="slidenum">
               <a:rPr lang="de-CH" smtClean="0"/>
-              <a:t>17</a:t>
+              <a:t>6</a:t>
             </a:fld>
             <a:endParaRPr lang="de-CH"/>
           </a:p>
@@ -1139,7 +2295,7 @@
     </p:spTree>
     <p:extLst>
       <p:ext uri="{BB962C8B-B14F-4D97-AF65-F5344CB8AC3E}">
-        <p14:creationId xmlns:p14="http://schemas.microsoft.com/office/powerpoint/2010/main" val="204222438"/>
+        <p14:creationId xmlns:p14="http://schemas.microsoft.com/office/powerpoint/2010/main" val="3623823498"/>
       </p:ext>
     </p:extLst>
   </p:cSld>
@@ -1194,17 +2350,9 @@
           <a:lstStyle/>
           <a:p>
             <a:r>
-              <a:rPr lang="de-CH" dirty="0" smtClean="0"/>
-              <a:t>Durch viele interessante Diskussionen hatten wir schon alle ähnliche Vorstellungen, wie das Design aussehen solle.</a:t>
-            </a:r>
-          </a:p>
-          <a:p>
-            <a:r>
-              <a:rPr lang="de-CH" dirty="0" smtClean="0"/>
-              <a:t>Erster Entwurf vom UML Diagramm lieber weniger detailliert dafür die Schnittstellen und Zusammenhänge besser durchdenken.</a:t>
-            </a:r>
-          </a:p>
-          <a:p>
+              <a:rPr lang="de-CH" dirty="0" err="1" smtClean="0"/>
+              <a:t>Lele</a:t>
+            </a:r>
             <a:endParaRPr lang="de-CH" dirty="0"/>
           </a:p>
         </p:txBody>
@@ -1226,7 +2374,7 @@
           <a:p>
             <a:fld id="{57E63A1E-426D-4238-9128-3C63CF954FD1}" type="slidenum">
               <a:rPr lang="de-CH" smtClean="0"/>
-              <a:t>18</a:t>
+              <a:t>7</a:t>
             </a:fld>
             <a:endParaRPr lang="de-CH"/>
           </a:p>
@@ -1235,7 +2383,7 @@
     </p:spTree>
     <p:extLst>
       <p:ext uri="{BB962C8B-B14F-4D97-AF65-F5344CB8AC3E}">
-        <p14:creationId xmlns:p14="http://schemas.microsoft.com/office/powerpoint/2010/main" val="2303976715"/>
+        <p14:creationId xmlns:p14="http://schemas.microsoft.com/office/powerpoint/2010/main" val="2111692121"/>
       </p:ext>
     </p:extLst>
   </p:cSld>
@@ -1291,37 +2439,54 @@
           <a:p>
             <a:r>
               <a:rPr lang="de-CH" dirty="0" smtClean="0"/>
-              <a:t>Für die Implementation haben wir für uns den Entwicklungsprozess definiert. Dieser hat sich sehr bewährt, da für jeden klar war, wo man spielen und testen kann und wie man an </a:t>
+              <a:t>Joy</a:t>
+            </a:r>
+          </a:p>
+          <a:p>
+            <a:endParaRPr lang="de-CH" dirty="0" smtClean="0"/>
+          </a:p>
+          <a:p>
+            <a:r>
+              <a:rPr lang="de-CH" dirty="0" smtClean="0"/>
+              <a:t>Leandro:	</a:t>
             </a:r>
             <a:r>
               <a:rPr lang="de-CH" dirty="0" err="1" smtClean="0"/>
-              <a:t>features</a:t>
+              <a:t>Scrum</a:t>
             </a:r>
             <a:r>
               <a:rPr lang="de-CH" dirty="0" smtClean="0"/>
-              <a:t> / </a:t>
-            </a:r>
-            <a:r>
-              <a:rPr lang="de-CH" dirty="0" err="1" smtClean="0"/>
-              <a:t>tasks</a:t>
-            </a:r>
+              <a:t> Master</a:t>
+            </a:r>
+          </a:p>
+          <a:p>
             <a:r>
               <a:rPr lang="de-CH" dirty="0" smtClean="0"/>
-              <a:t> arbeitet.</a:t>
+              <a:t>Joy:	MVP und State Pattern</a:t>
             </a:r>
           </a:p>
           <a:p>
             <a:r>
               <a:rPr lang="de-CH" dirty="0" smtClean="0"/>
-              <a:t>Ein </a:t>
-            </a:r>
-            <a:r>
-              <a:rPr lang="de-CH" dirty="0" err="1" smtClean="0"/>
-              <a:t>Build</a:t>
-            </a:r>
+              <a:t>Sascha:	Architektur</a:t>
+            </a:r>
+          </a:p>
+          <a:p>
             <a:r>
               <a:rPr lang="de-CH" dirty="0" smtClean="0"/>
-              <a:t> Job wäre allgemein praktisch gewesen, so dass man nicht plötzlich komische Differenzen zwischen verschiedenen Entwicklern hat.</a:t>
+              <a:t>Yves:	Repository und Test</a:t>
+            </a:r>
+          </a:p>
+          <a:p>
+            <a:r>
+              <a:rPr lang="de-CH" dirty="0" smtClean="0"/>
+              <a:t>Boris:	Datenbank</a:t>
+            </a:r>
+          </a:p>
+          <a:p>
+            <a:r>
+              <a:rPr lang="de-CH" dirty="0" smtClean="0"/>
+              <a:t>Jasmin:	JDBC</a:t>
             </a:r>
           </a:p>
           <a:p>
@@ -1346,7 +2511,7 @@
           <a:p>
             <a:fld id="{57E63A1E-426D-4238-9128-3C63CF954FD1}" type="slidenum">
               <a:rPr lang="de-CH" smtClean="0"/>
-              <a:t>21</a:t>
+              <a:t>8</a:t>
             </a:fld>
             <a:endParaRPr lang="de-CH"/>
           </a:p>
@@ -1355,7 +2520,7 @@
     </p:spTree>
     <p:extLst>
       <p:ext uri="{BB962C8B-B14F-4D97-AF65-F5344CB8AC3E}">
-        <p14:creationId xmlns:p14="http://schemas.microsoft.com/office/powerpoint/2010/main" val="1920920285"/>
+        <p14:creationId xmlns:p14="http://schemas.microsoft.com/office/powerpoint/2010/main" val="872931887"/>
       </p:ext>
     </p:extLst>
   </p:cSld>
@@ -1410,63 +2575,9 @@
           <a:lstStyle/>
           <a:p>
             <a:r>
-              <a:rPr lang="de-CH" dirty="0" smtClean="0"/>
-              <a:t>Es war teilweise ein Hindernis, dass der </a:t>
-            </a:r>
-            <a:r>
               <a:rPr lang="de-CH" dirty="0" err="1" smtClean="0"/>
-              <a:t>Product</a:t>
-            </a:r>
-            <a:r>
-              <a:rPr lang="de-CH" dirty="0" smtClean="0"/>
-              <a:t> </a:t>
-            </a:r>
-            <a:r>
-              <a:rPr lang="de-CH" dirty="0" err="1" smtClean="0"/>
-              <a:t>Owner</a:t>
-            </a:r>
-            <a:r>
-              <a:rPr lang="de-CH" dirty="0" smtClean="0"/>
-              <a:t> nicht anwesend war bzw. selten dabei war, da der Dozent den </a:t>
-            </a:r>
-            <a:r>
-              <a:rPr lang="de-CH" dirty="0" err="1" smtClean="0"/>
-              <a:t>Product</a:t>
-            </a:r>
-            <a:r>
-              <a:rPr lang="de-CH" dirty="0" smtClean="0"/>
-              <a:t> </a:t>
-            </a:r>
-            <a:r>
-              <a:rPr lang="de-CH" dirty="0" err="1" smtClean="0"/>
-              <a:t>Owner</a:t>
-            </a:r>
-            <a:r>
-              <a:rPr lang="de-CH" dirty="0" smtClean="0"/>
-              <a:t> darstellte und dieser natürlich bei allen Gruppen dabei sein musste.</a:t>
-            </a:r>
-          </a:p>
-          <a:p>
-            <a:r>
-              <a:rPr lang="de-CH" dirty="0" smtClean="0"/>
-              <a:t>Ansonsten waren die Cockpits auf </a:t>
-            </a:r>
-            <a:r>
-              <a:rPr lang="de-CH" dirty="0" err="1" smtClean="0"/>
-              <a:t>Github</a:t>
-            </a:r>
-            <a:r>
-              <a:rPr lang="de-CH" dirty="0" smtClean="0"/>
-              <a:t> bzw. TFS für SCRUM sehr hilfreich, da diese ziemlich gut die Situation darstellten.</a:t>
-            </a:r>
-          </a:p>
-          <a:p>
-            <a:r>
-              <a:rPr lang="de-CH" dirty="0" smtClean="0"/>
-              <a:t>Den Entwicklungsprozess kann man noch verfeinern (Code Reviews, CI/CD, Verantwortlichkeiten noch mehr definieren)</a:t>
-            </a:r>
-          </a:p>
-          <a:p>
+              <a:t>Lele</a:t>
+            </a:r>
             <a:endParaRPr lang="de-CH" dirty="0"/>
           </a:p>
         </p:txBody>
@@ -1488,7 +2599,7 @@
           <a:p>
             <a:fld id="{57E63A1E-426D-4238-9128-3C63CF954FD1}" type="slidenum">
               <a:rPr lang="de-CH" smtClean="0"/>
-              <a:t>22</a:t>
+              <a:t>9</a:t>
             </a:fld>
             <a:endParaRPr lang="de-CH"/>
           </a:p>
@@ -1497,7 +2608,7 @@
     </p:spTree>
     <p:extLst>
       <p:ext uri="{BB962C8B-B14F-4D97-AF65-F5344CB8AC3E}">
-        <p14:creationId xmlns:p14="http://schemas.microsoft.com/office/powerpoint/2010/main" val="1843431228"/>
+        <p14:creationId xmlns:p14="http://schemas.microsoft.com/office/powerpoint/2010/main" val="713943398"/>
       </p:ext>
     </p:extLst>
   </p:cSld>
@@ -5113,118 +6224,6 @@
           <a:chExt cx="0" cy="0"/>
         </a:xfrm>
       </p:grpSpPr>
-      <p:sp>
-        <p:nvSpPr>
-          <p:cNvPr id="2" name="Titel 1"/>
-          <p:cNvSpPr>
-            <a:spLocks noGrp="1"/>
-          </p:cNvSpPr>
-          <p:nvPr>
-            <p:ph type="title"/>
-          </p:nvPr>
-        </p:nvSpPr>
-        <p:spPr/>
-        <p:txBody>
-          <a:bodyPr/>
-          <a:lstStyle/>
-          <a:p>
-            <a:r>
-              <a:rPr lang="de-CH" dirty="0" smtClean="0"/>
-              <a:t>Implementation</a:t>
-            </a:r>
-            <a:endParaRPr lang="de-CH" dirty="0"/>
-          </a:p>
-        </p:txBody>
-      </p:sp>
-      <p:sp>
-        <p:nvSpPr>
-          <p:cNvPr id="3" name="Inhaltsplatzhalter 2"/>
-          <p:cNvSpPr>
-            <a:spLocks noGrp="1"/>
-          </p:cNvSpPr>
-          <p:nvPr>
-            <p:ph idx="1"/>
-          </p:nvPr>
-        </p:nvSpPr>
-        <p:spPr/>
-        <p:txBody>
-          <a:bodyPr/>
-          <a:lstStyle/>
-          <a:p>
-            <a:r>
-              <a:rPr lang="de-CH" b="1" dirty="0" smtClean="0"/>
-              <a:t>Navigation </a:t>
-            </a:r>
-            <a:r>
-              <a:rPr lang="de-CH" b="1" dirty="0" err="1" smtClean="0"/>
-              <a:t>Vaadin</a:t>
-            </a:r>
-            <a:endParaRPr lang="de-CH" b="1" dirty="0" smtClean="0"/>
-          </a:p>
-          <a:p>
-            <a:endParaRPr lang="de-CH" b="1" dirty="0" smtClean="0"/>
-          </a:p>
-          <a:p>
-            <a:r>
-              <a:rPr lang="de-CH" dirty="0"/>
-              <a:t>Navigator Klasse</a:t>
-            </a:r>
-          </a:p>
-          <a:p>
-            <a:r>
-              <a:rPr lang="de-CH" dirty="0"/>
-              <a:t>Parameterübergabe zwischen </a:t>
-            </a:r>
-            <a:r>
-              <a:rPr lang="de-CH" dirty="0" smtClean="0"/>
-              <a:t>Views</a:t>
-            </a:r>
-          </a:p>
-          <a:p>
-            <a:endParaRPr lang="de-CH" dirty="0"/>
-          </a:p>
-          <a:p>
-            <a:endParaRPr lang="de-CH" b="1" dirty="0"/>
-          </a:p>
-        </p:txBody>
-      </p:sp>
-    </p:spTree>
-    <p:extLst>
-      <p:ext uri="{BB962C8B-B14F-4D97-AF65-F5344CB8AC3E}">
-        <p14:creationId xmlns:p14="http://schemas.microsoft.com/office/powerpoint/2010/main" val="1519822558"/>
-      </p:ext>
-    </p:extLst>
-  </p:cSld>
-  <p:clrMapOvr>
-    <a:masterClrMapping/>
-  </p:clrMapOvr>
-  <p:timing>
-    <p:tnLst>
-      <p:par>
-        <p:cTn id="1" dur="indefinite" restart="never" nodeType="tmRoot"/>
-      </p:par>
-    </p:tnLst>
-  </p:timing>
-</p:sld>
-</file>
-
-<file path=ppt/slides/slide11.xml><?xml version="1.0" encoding="utf-8"?>
-<p:sld xmlns:a="http://schemas.openxmlformats.org/drawingml/2006/main" xmlns:r="http://schemas.openxmlformats.org/officeDocument/2006/relationships" xmlns:p="http://schemas.openxmlformats.org/presentationml/2006/main">
-  <p:cSld>
-    <p:spTree>
-      <p:nvGrpSpPr>
-        <p:cNvPr id="1" name=""/>
-        <p:cNvGrpSpPr/>
-        <p:nvPr/>
-      </p:nvGrpSpPr>
-      <p:grpSpPr>
-        <a:xfrm>
-          <a:off x="0" y="0"/>
-          <a:ext cx="0" cy="0"/>
-          <a:chOff x="0" y="0"/>
-          <a:chExt cx="0" cy="0"/>
-        </a:xfrm>
-      </p:grpSpPr>
       <p:pic>
         <p:nvPicPr>
           <p:cNvPr id="4" name="Grafik 3"/>
@@ -5234,7 +6233,7 @@
           <p:nvPr/>
         </p:nvPicPr>
         <p:blipFill rotWithShape="1">
-          <a:blip r:embed="rId2"/>
+          <a:blip r:embed="rId3"/>
           <a:srcRect l="8009" t="11718" r="10602" b="22656"/>
           <a:stretch/>
         </p:blipFill>
@@ -5331,7 +6330,7 @@
 </p:sld>
 </file>
 
-<file path=ppt/slides/slide12.xml><?xml version="1.0" encoding="utf-8"?>
+<file path=ppt/slides/slide11.xml><?xml version="1.0" encoding="utf-8"?>
 <p:sld xmlns:a="http://schemas.openxmlformats.org/drawingml/2006/main" xmlns:r="http://schemas.openxmlformats.org/officeDocument/2006/relationships" xmlns:p="http://schemas.openxmlformats.org/presentationml/2006/main">
   <p:cSld>
     <p:spTree>
@@ -5425,7 +6424,7 @@
             </a:r>
             <a:r>
               <a:rPr lang="de-CH" dirty="0" smtClean="0"/>
-              <a:t>Binde</a:t>
+              <a:t>Binder</a:t>
             </a:r>
             <a:endParaRPr lang="de-CH" dirty="0"/>
           </a:p>
@@ -5469,7 +6468,7 @@
 </p:sld>
 </file>
 
-<file path=ppt/slides/slide13.xml><?xml version="1.0" encoding="utf-8"?>
+<file path=ppt/slides/slide12.xml><?xml version="1.0" encoding="utf-8"?>
 <p:sld xmlns:a="http://schemas.openxmlformats.org/drawingml/2006/main" xmlns:r="http://schemas.openxmlformats.org/officeDocument/2006/relationships" xmlns:p="http://schemas.openxmlformats.org/presentationml/2006/main">
   <p:cSld>
     <p:spTree>
@@ -5495,7 +6494,7 @@
           <p:nvPr/>
         </p:nvPicPr>
         <p:blipFill rotWithShape="1">
-          <a:blip r:embed="rId2"/>
+          <a:blip r:embed="rId3"/>
           <a:srcRect r="12922"/>
           <a:stretch/>
         </p:blipFill>
@@ -5529,7 +6528,7 @@
 </p:sld>
 </file>
 
-<file path=ppt/slides/slide14.xml><?xml version="1.0" encoding="utf-8"?>
+<file path=ppt/slides/slide13.xml><?xml version="1.0" encoding="utf-8"?>
 <p:sld xmlns:a="http://schemas.openxmlformats.org/drawingml/2006/main" xmlns:r="http://schemas.openxmlformats.org/officeDocument/2006/relationships" xmlns:p="http://schemas.openxmlformats.org/presentationml/2006/main">
   <p:cSld>
     <p:spTree>
@@ -5838,7 +6837,7 @@
 </p:sld>
 </file>
 
-<file path=ppt/slides/slide15.xml><?xml version="1.0" encoding="utf-8"?>
+<file path=ppt/slides/slide14.xml><?xml version="1.0" encoding="utf-8"?>
 <p:sld xmlns:a="http://schemas.openxmlformats.org/drawingml/2006/main" xmlns:r="http://schemas.openxmlformats.org/officeDocument/2006/relationships" xmlns:p="http://schemas.openxmlformats.org/presentationml/2006/main">
   <p:cSld>
     <p:spTree>
@@ -5864,7 +6863,7 @@
           <p:nvPr/>
         </p:nvPicPr>
         <p:blipFill rotWithShape="1">
-          <a:blip r:embed="rId2"/>
+          <a:blip r:embed="rId3"/>
           <a:srcRect l="30134" t="14374" r="34140" b="9211"/>
           <a:stretch/>
         </p:blipFill>
@@ -5961,7 +6960,7 @@
 </p:sld>
 </file>
 
-<file path=ppt/slides/slide16.xml><?xml version="1.0" encoding="utf-8"?>
+<file path=ppt/slides/slide15.xml><?xml version="1.0" encoding="utf-8"?>
 <p:sld xmlns:a="http://schemas.openxmlformats.org/drawingml/2006/main" xmlns:r="http://schemas.openxmlformats.org/officeDocument/2006/relationships" xmlns:p="http://schemas.openxmlformats.org/presentationml/2006/main">
   <p:cSld>
     <p:spTree>
@@ -6024,36 +7023,58 @@
               <a:rPr lang="de-CH" b="1" dirty="0" err="1" smtClean="0"/>
               <a:t>board</a:t>
             </a:r>
-            <a:endParaRPr lang="de-CH" b="1" dirty="0" smtClean="0"/>
+            <a:r>
+              <a:rPr lang="de-CH" b="1" dirty="0"/>
+              <a:t>:</a:t>
+            </a:r>
+            <a:r>
+              <a:rPr lang="de-CH" b="1" dirty="0" smtClean="0"/>
+              <a:t>  </a:t>
+            </a:r>
+            <a:r>
+              <a:rPr lang="de-CH" dirty="0" smtClean="0"/>
+              <a:t>Viel Kreativität und gute Ideen, Spassfaktor</a:t>
+            </a:r>
+            <a:endParaRPr lang="de-CH" dirty="0"/>
           </a:p>
           <a:p>
             <a:endParaRPr lang="de-CH" dirty="0" smtClean="0"/>
           </a:p>
           <a:p>
-            <a:r>
-              <a:rPr lang="de-CH" dirty="0" smtClean="0"/>
-              <a:t>Viel </a:t>
-            </a:r>
-            <a:r>
-              <a:rPr lang="de-CH" dirty="0" smtClean="0"/>
-              <a:t>Kreativität und gute Ideen</a:t>
-            </a:r>
-          </a:p>
-          <a:p>
-            <a:r>
-              <a:rPr lang="de-CH" dirty="0" smtClean="0"/>
-              <a:t>Spassfaktor</a:t>
-            </a:r>
             <a:endParaRPr lang="de-CH" dirty="0"/>
           </a:p>
-          <a:p>
-            <a:endParaRPr lang="de-CH" dirty="0" smtClean="0"/>
-          </a:p>
-          <a:p>
-            <a:endParaRPr lang="de-CH" dirty="0"/>
-          </a:p>
-        </p:txBody>
-      </p:sp>
+        </p:txBody>
+      </p:sp>
+      <p:pic>
+        <p:nvPicPr>
+          <p:cNvPr id="4" name="Grafik 3"/>
+          <p:cNvPicPr>
+            <a:picLocks noChangeAspect="1"/>
+          </p:cNvPicPr>
+          <p:nvPr/>
+        </p:nvPicPr>
+        <p:blipFill>
+          <a:blip r:embed="rId3">
+            <a:extLst>
+              <a:ext uri="{28A0092B-C50C-407E-A947-70E740481C1C}">
+                <a14:useLocalDpi xmlns:a14="http://schemas.microsoft.com/office/drawing/2010/main" val="0"/>
+              </a:ext>
+            </a:extLst>
+          </a:blip>
+          <a:stretch>
+            <a:fillRect/>
+          </a:stretch>
+        </p:blipFill>
+        <p:spPr>
+          <a:xfrm>
+            <a:off x="277925" y="2472717"/>
+            <a:ext cx="11171888" cy="4054191"/>
+          </a:xfrm>
+          <a:prstGeom prst="rect">
+            <a:avLst/>
+          </a:prstGeom>
+        </p:spPr>
+      </p:pic>
     </p:spTree>
     <p:extLst>
       <p:ext uri="{BB962C8B-B14F-4D97-AF65-F5344CB8AC3E}">
@@ -6074,7 +7095,7 @@
 </p:sld>
 </file>
 
-<file path=ppt/slides/slide17.xml><?xml version="1.0" encoding="utf-8"?>
+<file path=ppt/slides/slide16.xml><?xml version="1.0" encoding="utf-8"?>
 <p:sld xmlns:a="http://schemas.openxmlformats.org/drawingml/2006/main" xmlns:r="http://schemas.openxmlformats.org/officeDocument/2006/relationships" xmlns:p="http://schemas.openxmlformats.org/presentationml/2006/main">
   <p:cSld>
     <p:spTree>
@@ -6124,69 +7145,29 @@
             <p:ph idx="1"/>
           </p:nvPr>
         </p:nvSpPr>
-        <p:spPr>
-          <a:xfrm>
-            <a:off x="676656" y="2011680"/>
-            <a:ext cx="10753725" cy="4545531"/>
-          </a:xfrm>
-        </p:spPr>
-        <p:txBody>
-          <a:bodyPr>
-            <a:normAutofit/>
-          </a:bodyPr>
-          <a:lstStyle/>
-          <a:p>
-            <a:r>
-              <a:rPr lang="de-CH" b="1" dirty="0" err="1"/>
-              <a:t>Requirements</a:t>
-            </a:r>
-            <a:endParaRPr lang="de-CH" b="1" dirty="0"/>
-          </a:p>
-          <a:p>
-            <a:endParaRPr lang="de-CH" dirty="0" smtClean="0"/>
-          </a:p>
-          <a:p>
-            <a:r>
-              <a:rPr lang="de-CH" dirty="0" smtClean="0"/>
-              <a:t>Interessantes </a:t>
-            </a:r>
-            <a:r>
-              <a:rPr lang="de-CH" dirty="0" smtClean="0"/>
-              <a:t>Interview</a:t>
-            </a:r>
-          </a:p>
-          <a:p>
-            <a:r>
-              <a:rPr lang="de-CH" dirty="0" smtClean="0"/>
-              <a:t>Nur eine Meinung</a:t>
-            </a:r>
-          </a:p>
+        <p:spPr/>
+        <p:txBody>
+          <a:bodyPr/>
+          <a:lstStyle/>
           <a:p>
             <a:pPr marL="0" indent="0">
               <a:buNone/>
             </a:pPr>
             <a:r>
-              <a:rPr lang="de-CH" dirty="0" smtClean="0"/>
-              <a:t> Wenig Domänenwissen</a:t>
-            </a:r>
-          </a:p>
-          <a:p>
-            <a:pPr marL="0" indent="0">
-              <a:buNone/>
-            </a:pPr>
-            <a:endParaRPr lang="de-CH" b="1" dirty="0" smtClean="0"/>
-          </a:p>
-          <a:p>
-            <a:pPr marL="0" indent="0">
-              <a:buNone/>
-            </a:pPr>
+              <a:rPr lang="de-CH" b="1" dirty="0" smtClean="0"/>
+              <a:t> </a:t>
+            </a:r>
             <a:r>
               <a:rPr lang="de-CH" b="1" dirty="0" err="1" smtClean="0"/>
               <a:t>Use</a:t>
             </a:r>
             <a:r>
               <a:rPr lang="de-CH" b="1" dirty="0" smtClean="0"/>
-              <a:t> Cases</a:t>
+              <a:t> </a:t>
+            </a:r>
+            <a:r>
+              <a:rPr lang="de-CH" b="1" dirty="0"/>
+              <a:t>Cases</a:t>
             </a:r>
           </a:p>
           <a:p>
@@ -6197,120 +7178,24 @@
           </a:p>
           <a:p>
             <a:r>
-              <a:rPr lang="de-CH" dirty="0" smtClean="0"/>
-              <a:t>beschriebene </a:t>
-            </a:r>
-            <a:r>
-              <a:rPr lang="de-CH" dirty="0" err="1" smtClean="0"/>
+              <a:rPr lang="de-CH" dirty="0"/>
+              <a:t>Beschriebene </a:t>
+            </a:r>
+            <a:r>
+              <a:rPr lang="de-CH" dirty="0" err="1"/>
               <a:t>Use</a:t>
             </a:r>
             <a:r>
-              <a:rPr lang="de-CH" dirty="0" smtClean="0"/>
+              <a:rPr lang="de-CH" dirty="0"/>
               <a:t> Cases / implementierte </a:t>
             </a:r>
             <a:r>
-              <a:rPr lang="de-CH" dirty="0" err="1" smtClean="0"/>
+              <a:rPr lang="de-CH" dirty="0" err="1"/>
               <a:t>Use</a:t>
             </a:r>
             <a:r>
               <a:rPr lang="de-CH" dirty="0"/>
-              <a:t> </a:t>
-            </a:r>
-            <a:r>
-              <a:rPr lang="de-CH" dirty="0" smtClean="0"/>
-              <a:t>Cases</a:t>
-            </a:r>
-            <a:endParaRPr lang="de-CH" dirty="0"/>
-          </a:p>
-        </p:txBody>
-      </p:sp>
-    </p:spTree>
-    <p:extLst>
-      <p:ext uri="{BB962C8B-B14F-4D97-AF65-F5344CB8AC3E}">
-        <p14:creationId xmlns:p14="http://schemas.microsoft.com/office/powerpoint/2010/main" val="2831793889"/>
-      </p:ext>
-    </p:extLst>
-  </p:cSld>
-  <p:clrMapOvr>
-    <a:masterClrMapping/>
-  </p:clrMapOvr>
-  <p:timing>
-    <p:tnLst>
-      <p:par>
-        <p:cTn id="1" dur="indefinite" restart="never" nodeType="tmRoot"/>
-      </p:par>
-    </p:tnLst>
-  </p:timing>
-</p:sld>
-</file>
-
-<file path=ppt/slides/slide18.xml><?xml version="1.0" encoding="utf-8"?>
-<p:sld xmlns:a="http://schemas.openxmlformats.org/drawingml/2006/main" xmlns:r="http://schemas.openxmlformats.org/officeDocument/2006/relationships" xmlns:p="http://schemas.openxmlformats.org/presentationml/2006/main">
-  <p:cSld>
-    <p:spTree>
-      <p:nvGrpSpPr>
-        <p:cNvPr id="1" name=""/>
-        <p:cNvGrpSpPr/>
-        <p:nvPr/>
-      </p:nvGrpSpPr>
-      <p:grpSpPr>
-        <a:xfrm>
-          <a:off x="0" y="0"/>
-          <a:ext cx="0" cy="0"/>
-          <a:chOff x="0" y="0"/>
-          <a:chExt cx="0" cy="0"/>
-        </a:xfrm>
-      </p:grpSpPr>
-      <p:sp>
-        <p:nvSpPr>
-          <p:cNvPr id="2" name="Titel 1"/>
-          <p:cNvSpPr>
-            <a:spLocks noGrp="1"/>
-          </p:cNvSpPr>
-          <p:nvPr>
-            <p:ph type="title"/>
-          </p:nvPr>
-        </p:nvSpPr>
-        <p:spPr/>
-        <p:txBody>
-          <a:bodyPr/>
-          <a:lstStyle/>
-          <a:p>
-            <a:r>
-              <a:rPr lang="de-CH" dirty="0" smtClean="0"/>
-              <a:t>Gelerntes</a:t>
-            </a:r>
-            <a:endParaRPr lang="de-CH" dirty="0"/>
-          </a:p>
-        </p:txBody>
-      </p:sp>
-      <p:sp>
-        <p:nvSpPr>
-          <p:cNvPr id="3" name="Inhaltsplatzhalter 2"/>
-          <p:cNvSpPr>
-            <a:spLocks noGrp="1"/>
-          </p:cNvSpPr>
-          <p:nvPr>
-            <p:ph idx="1"/>
-          </p:nvPr>
-        </p:nvSpPr>
-        <p:spPr/>
-        <p:txBody>
-          <a:bodyPr/>
-          <a:lstStyle/>
-          <a:p>
-            <a:r>
-              <a:rPr lang="de-CH" b="1" dirty="0"/>
-              <a:t>Design</a:t>
-            </a:r>
-          </a:p>
-          <a:p>
-            <a:endParaRPr lang="de-CH" dirty="0" smtClean="0"/>
-          </a:p>
-          <a:p>
-            <a:r>
-              <a:rPr lang="de-CH" dirty="0" smtClean="0"/>
-              <a:t>Ähnliche Vorstellungen vom Design</a:t>
+              <a:t> Cases</a:t>
             </a:r>
           </a:p>
           <a:p>
@@ -6362,7 +7247,7 @@
 </p:sld>
 </file>
 
-<file path=ppt/slides/slide19.xml><?xml version="1.0" encoding="utf-8"?>
+<file path=ppt/slides/slide17.xml><?xml version="1.0" encoding="utf-8"?>
 <p:sld xmlns:a="http://schemas.openxmlformats.org/drawingml/2006/main" xmlns:r="http://schemas.openxmlformats.org/officeDocument/2006/relationships" xmlns:p="http://schemas.openxmlformats.org/presentationml/2006/main">
   <p:cSld>
     <p:spTree>
@@ -6426,7 +7311,7 @@
           <p:nvPr/>
         </p:nvPicPr>
         <p:blipFill>
-          <a:blip r:embed="rId2">
+          <a:blip r:embed="rId3">
             <a:extLst>
               <a:ext uri="{28A0092B-C50C-407E-A947-70E740481C1C}">
                 <a14:useLocalDpi xmlns:a14="http://schemas.microsoft.com/office/drawing/2010/main" val="0"/>
@@ -6475,7 +7360,7 @@
 </p:sld>
 </file>
 
-<file path=ppt/slides/slide2.xml><?xml version="1.0" encoding="utf-8"?>
+<file path=ppt/slides/slide18.xml><?xml version="1.0" encoding="utf-8"?>
 <p:sld xmlns:a="http://schemas.openxmlformats.org/drawingml/2006/main" xmlns:r="http://schemas.openxmlformats.org/officeDocument/2006/relationships" xmlns:p="http://schemas.openxmlformats.org/presentationml/2006/main">
   <p:cSld>
     <p:spTree>
@@ -6494,158 +7379,6 @@
       </p:grpSpPr>
       <p:sp>
         <p:nvSpPr>
-          <p:cNvPr id="3" name="Inhaltsplatzhalter 2"/>
-          <p:cNvSpPr>
-            <a:spLocks noGrp="1"/>
-          </p:cNvSpPr>
-          <p:nvPr>
-            <p:ph idx="1"/>
-          </p:nvPr>
-        </p:nvSpPr>
-        <p:spPr>
-          <a:xfrm>
-            <a:off x="676656" y="2009274"/>
-            <a:ext cx="10753725" cy="4535904"/>
-          </a:xfrm>
-        </p:spPr>
-        <p:txBody>
-          <a:bodyPr>
-            <a:normAutofit/>
-          </a:bodyPr>
-          <a:lstStyle/>
-          <a:p>
-            <a:r>
-              <a:rPr lang="de-CH" dirty="0" smtClean="0"/>
-              <a:t>Rückblick</a:t>
-            </a:r>
-          </a:p>
-          <a:p>
-            <a:r>
-              <a:rPr lang="de-CH" dirty="0" smtClean="0"/>
-              <a:t>Demo</a:t>
-            </a:r>
-          </a:p>
-          <a:p>
-            <a:r>
-              <a:rPr lang="de-CH" dirty="0" smtClean="0"/>
-              <a:t>Beiträge der Teammitglieder</a:t>
-            </a:r>
-          </a:p>
-          <a:p>
-            <a:r>
-              <a:rPr lang="de-CH" dirty="0" smtClean="0"/>
-              <a:t>Implementation</a:t>
-            </a:r>
-          </a:p>
-          <a:p>
-            <a:r>
-              <a:rPr lang="de-CH" dirty="0" smtClean="0"/>
-              <a:t>Gelerntes</a:t>
-            </a:r>
-          </a:p>
-          <a:p>
-            <a:pPr marL="0" indent="0">
-              <a:buNone/>
-            </a:pPr>
-            <a:endParaRPr lang="de-CH" dirty="0" smtClean="0"/>
-          </a:p>
-          <a:p>
-            <a:pPr marL="0" indent="0">
-              <a:buNone/>
-            </a:pPr>
-            <a:endParaRPr lang="de-CH" dirty="0" smtClean="0"/>
-          </a:p>
-          <a:p>
-            <a:r>
-              <a:rPr lang="de-CH" sz="1800" dirty="0"/>
-              <a:t>Handout: </a:t>
-            </a:r>
-            <a:r>
-              <a:rPr lang="de-CH" sz="1800" dirty="0">
-                <a:hlinkClick r:id="rId2"/>
-              </a:rPr>
-              <a:t>https://</a:t>
-            </a:r>
-            <a:r>
-              <a:rPr lang="de-CH" sz="1800" dirty="0" smtClean="0">
-                <a:hlinkClick r:id="rId2"/>
-              </a:rPr>
-              <a:t>github.com/leandrolerena/ch.bfh.bti7081.s2017.orange/tree/release/sprint3/Orange/doc/CS01/task14</a:t>
-            </a:r>
-            <a:endParaRPr lang="de-CH" sz="1800" dirty="0" smtClean="0"/>
-          </a:p>
-          <a:p>
-            <a:endParaRPr lang="de-CH" dirty="0"/>
-          </a:p>
-        </p:txBody>
-      </p:sp>
-      <p:sp>
-        <p:nvSpPr>
-          <p:cNvPr id="4" name="Titel 1"/>
-          <p:cNvSpPr>
-            <a:spLocks noGrp="1"/>
-          </p:cNvSpPr>
-          <p:nvPr>
-            <p:ph type="title"/>
-          </p:nvPr>
-        </p:nvSpPr>
-        <p:spPr>
-          <a:xfrm>
-            <a:off x="657224" y="499533"/>
-            <a:ext cx="10772775" cy="1658198"/>
-          </a:xfrm>
-        </p:spPr>
-        <p:txBody>
-          <a:bodyPr/>
-          <a:lstStyle/>
-          <a:p>
-            <a:r>
-              <a:rPr lang="de-CH" dirty="0" smtClean="0"/>
-              <a:t>Agenda</a:t>
-            </a:r>
-            <a:endParaRPr lang="de-CH" dirty="0"/>
-          </a:p>
-        </p:txBody>
-      </p:sp>
-    </p:spTree>
-    <p:extLst>
-      <p:ext uri="{BB962C8B-B14F-4D97-AF65-F5344CB8AC3E}">
-        <p14:creationId xmlns:p14="http://schemas.microsoft.com/office/powerpoint/2010/main" val="2141706698"/>
-      </p:ext>
-    </p:extLst>
-  </p:cSld>
-  <p:clrMapOvr>
-    <a:masterClrMapping/>
-  </p:clrMapOvr>
-  <p:timing>
-    <p:tnLst>
-      <p:par>
-        <p:cTn id="1" dur="indefinite" restart="never" nodeType="tmRoot"/>
-      </p:par>
-    </p:tnLst>
-  </p:timing>
-</p:sld>
-</file>
-
-<file path=ppt/slides/slide20.xml><?xml version="1.0" encoding="utf-8"?>
-<p:sld xmlns:a="http://schemas.openxmlformats.org/drawingml/2006/main" xmlns:r="http://schemas.openxmlformats.org/officeDocument/2006/relationships" xmlns:p="http://schemas.openxmlformats.org/presentationml/2006/main">
-  <p:cSld>
-    <p:spTree>
-      <p:nvGrpSpPr>
-        <p:cNvPr id="1" name=""/>
-        <p:cNvGrpSpPr/>
-        <p:nvPr/>
-      </p:nvGrpSpPr>
-      <p:grpSpPr>
-        <a:xfrm>
-          <a:off x="0" y="0"/>
-          <a:ext cx="0" cy="0"/>
-          <a:chOff x="0" y="0"/>
-          <a:chExt cx="0" cy="0"/>
-        </a:xfrm>
-      </p:grpSpPr>
-      <p:sp>
-        <p:nvSpPr>
           <p:cNvPr id="2" name="Titel 1"/>
           <p:cNvSpPr>
             <a:spLocks noGrp="1"/>
@@ -6691,7 +7424,7 @@
           <p:nvPr/>
         </p:nvPicPr>
         <p:blipFill>
-          <a:blip r:embed="rId2">
+          <a:blip r:embed="rId3">
             <a:extLst>
               <a:ext uri="{28A0092B-C50C-407E-A947-70E740481C1C}">
                 <a14:useLocalDpi xmlns:a14="http://schemas.microsoft.com/office/drawing/2010/main" val="0"/>
@@ -6744,7 +7477,7 @@
 </p:sld>
 </file>
 
-<file path=ppt/slides/slide21.xml><?xml version="1.0" encoding="utf-8"?>
+<file path=ppt/slides/slide19.xml><?xml version="1.0" encoding="utf-8"?>
 <p:sld xmlns:a="http://schemas.openxmlformats.org/drawingml/2006/main" xmlns:r="http://schemas.openxmlformats.org/officeDocument/2006/relationships" xmlns:p="http://schemas.openxmlformats.org/presentationml/2006/main">
   <p:cSld>
     <p:spTree>
@@ -6810,22 +7543,31 @@
           <a:p>
             <a:r>
               <a:rPr lang="de-CH" dirty="0" smtClean="0"/>
-              <a:t>Entwicklungsprozess </a:t>
+              <a:t>Entwicklungsprozess</a:t>
             </a:r>
           </a:p>
           <a:p>
             <a:r>
               <a:rPr lang="de-CH" dirty="0" smtClean="0"/>
-              <a:t>Ein </a:t>
-            </a:r>
-            <a:r>
-              <a:rPr lang="de-CH" dirty="0" err="1"/>
+              <a:t> </a:t>
+            </a:r>
+          </a:p>
+          <a:p>
+            <a:r>
+              <a:rPr lang="de-CH" dirty="0" err="1" smtClean="0"/>
               <a:t>Build</a:t>
             </a:r>
             <a:r>
+              <a:rPr lang="de-CH" dirty="0" smtClean="0"/>
+              <a:t> </a:t>
+            </a:r>
+            <a:r>
               <a:rPr lang="de-CH" dirty="0"/>
-              <a:t> Job wäre </a:t>
-            </a:r>
+              <a:t>Job wäre </a:t>
+            </a:r>
+            <a:endParaRPr lang="de-CH" dirty="0" smtClean="0"/>
+          </a:p>
+          <a:p>
             <a:r>
               <a:rPr lang="de-CH" dirty="0" smtClean="0"/>
               <a:t>praktisch gewesen</a:t>
@@ -6834,6 +7576,47 @@
           </a:p>
         </p:txBody>
       </p:sp>
+      <p:pic>
+        <p:nvPicPr>
+          <p:cNvPr id="1026" name="Picture 2" descr="Development with Git"/>
+          <p:cNvPicPr>
+            <a:picLocks noChangeAspect="1" noChangeArrowheads="1"/>
+          </p:cNvPicPr>
+          <p:nvPr/>
+        </p:nvPicPr>
+        <p:blipFill>
+          <a:blip r:embed="rId3">
+            <a:extLst>
+              <a:ext uri="{28A0092B-C50C-407E-A947-70E740481C1C}">
+                <a14:useLocalDpi xmlns:a14="http://schemas.microsoft.com/office/drawing/2010/main" val="0"/>
+              </a:ext>
+            </a:extLst>
+          </a:blip>
+          <a:srcRect/>
+          <a:stretch>
+            <a:fillRect/>
+          </a:stretch>
+        </p:blipFill>
+        <p:spPr bwMode="auto">
+          <a:xfrm>
+            <a:off x="3826042" y="2157555"/>
+            <a:ext cx="8365958" cy="3651591"/>
+          </a:xfrm>
+          <a:prstGeom prst="rect">
+            <a:avLst/>
+          </a:prstGeom>
+          <a:noFill/>
+          <a:extLst>
+            <a:ext uri="{909E8E84-426E-40DD-AFC4-6F175D3DCCD1}">
+              <a14:hiddenFill xmlns:a14="http://schemas.microsoft.com/office/drawing/2010/main">
+                <a:solidFill>
+                  <a:srgbClr val="FFFFFF"/>
+                </a:solidFill>
+              </a14:hiddenFill>
+            </a:ext>
+          </a:extLst>
+        </p:spPr>
+      </p:pic>
     </p:spTree>
     <p:extLst>
       <p:ext uri="{BB962C8B-B14F-4D97-AF65-F5344CB8AC3E}">
@@ -6854,7 +7637,7 @@
 </p:sld>
 </file>
 
-<file path=ppt/slides/slide22.xml><?xml version="1.0" encoding="utf-8"?>
+<file path=ppt/slides/slide2.xml><?xml version="1.0" encoding="utf-8"?>
 <p:sld xmlns:a="http://schemas.openxmlformats.org/drawingml/2006/main" xmlns:r="http://schemas.openxmlformats.org/officeDocument/2006/relationships" xmlns:p="http://schemas.openxmlformats.org/presentationml/2006/main">
   <p:cSld>
     <p:spTree>
@@ -6873,23 +7656,175 @@
       </p:grpSpPr>
       <p:sp>
         <p:nvSpPr>
-          <p:cNvPr id="2" name="Titel 1"/>
-          <p:cNvSpPr>
-            <a:spLocks noGrp="1"/>
-          </p:cNvSpPr>
-          <p:nvPr>
-            <p:ph type="title"/>
-          </p:nvPr>
-        </p:nvSpPr>
-        <p:spPr/>
-        <p:txBody>
-          <a:bodyPr/>
-          <a:lstStyle/>
+          <p:cNvPr id="3" name="Inhaltsplatzhalter 2"/>
+          <p:cNvSpPr>
+            <a:spLocks noGrp="1"/>
+          </p:cNvSpPr>
+          <p:nvPr>
+            <p:ph idx="1"/>
+          </p:nvPr>
+        </p:nvSpPr>
+        <p:spPr>
+          <a:xfrm>
+            <a:off x="676656" y="2009274"/>
+            <a:ext cx="10753725" cy="4535904"/>
+          </a:xfrm>
+        </p:spPr>
+        <p:txBody>
+          <a:bodyPr>
+            <a:normAutofit/>
+          </a:bodyPr>
+          <a:lstStyle/>
+          <a:p>
+            <a:r>
+              <a:rPr lang="de-CH" dirty="0" smtClean="0"/>
+              <a:t>Rückblick</a:t>
+            </a:r>
+          </a:p>
+          <a:p>
+            <a:r>
+              <a:rPr lang="de-CH" dirty="0" smtClean="0"/>
+              <a:t>Demo</a:t>
+            </a:r>
+          </a:p>
+          <a:p>
+            <a:r>
+              <a:rPr lang="de-CH" dirty="0" smtClean="0"/>
+              <a:t>Beiträge der Teammitglieder</a:t>
+            </a:r>
+          </a:p>
+          <a:p>
+            <a:r>
+              <a:rPr lang="de-CH" dirty="0" smtClean="0"/>
+              <a:t>Implementation</a:t>
+            </a:r>
+          </a:p>
           <a:p>
             <a:r>
               <a:rPr lang="de-CH" dirty="0" smtClean="0"/>
               <a:t>Gelerntes</a:t>
             </a:r>
+          </a:p>
+          <a:p>
+            <a:pPr marL="0" indent="0">
+              <a:buNone/>
+            </a:pPr>
+            <a:endParaRPr lang="de-CH" dirty="0" smtClean="0"/>
+          </a:p>
+          <a:p>
+            <a:pPr marL="0" indent="0">
+              <a:buNone/>
+            </a:pPr>
+            <a:endParaRPr lang="de-CH" dirty="0" smtClean="0"/>
+          </a:p>
+          <a:p>
+            <a:r>
+              <a:rPr lang="de-CH" sz="1800" dirty="0"/>
+              <a:t>Handout: </a:t>
+            </a:r>
+            <a:r>
+              <a:rPr lang="de-CH" sz="1800" dirty="0">
+                <a:hlinkClick r:id="rId3"/>
+              </a:rPr>
+              <a:t>https://</a:t>
+            </a:r>
+            <a:r>
+              <a:rPr lang="de-CH" sz="1800" dirty="0" smtClean="0">
+                <a:hlinkClick r:id="rId3"/>
+              </a:rPr>
+              <a:t>github.com/leandrolerena/ch.bfh.bti7081.s2017.orange/tree/release/sprint3/Orange/doc/CS01/task14</a:t>
+            </a:r>
+            <a:endParaRPr lang="de-CH" sz="1800" dirty="0" smtClean="0"/>
+          </a:p>
+          <a:p>
+            <a:endParaRPr lang="de-CH" dirty="0"/>
+          </a:p>
+        </p:txBody>
+      </p:sp>
+      <p:sp>
+        <p:nvSpPr>
+          <p:cNvPr id="4" name="Titel 1"/>
+          <p:cNvSpPr>
+            <a:spLocks noGrp="1"/>
+          </p:cNvSpPr>
+          <p:nvPr>
+            <p:ph type="title"/>
+          </p:nvPr>
+        </p:nvSpPr>
+        <p:spPr>
+          <a:xfrm>
+            <a:off x="657224" y="499533"/>
+            <a:ext cx="10772775" cy="1658198"/>
+          </a:xfrm>
+        </p:spPr>
+        <p:txBody>
+          <a:bodyPr/>
+          <a:lstStyle/>
+          <a:p>
+            <a:r>
+              <a:rPr lang="de-CH" dirty="0" smtClean="0"/>
+              <a:t>Agenda</a:t>
+            </a:r>
+            <a:endParaRPr lang="de-CH" dirty="0"/>
+          </a:p>
+        </p:txBody>
+      </p:sp>
+    </p:spTree>
+    <p:extLst>
+      <p:ext uri="{BB962C8B-B14F-4D97-AF65-F5344CB8AC3E}">
+        <p14:creationId xmlns:p14="http://schemas.microsoft.com/office/powerpoint/2010/main" val="2141706698"/>
+      </p:ext>
+    </p:extLst>
+  </p:cSld>
+  <p:clrMapOvr>
+    <a:masterClrMapping/>
+  </p:clrMapOvr>
+  <p:timing>
+    <p:tnLst>
+      <p:par>
+        <p:cTn id="1" dur="indefinite" restart="never" nodeType="tmRoot"/>
+      </p:par>
+    </p:tnLst>
+  </p:timing>
+</p:sld>
+</file>
+
+<file path=ppt/slides/slide20.xml><?xml version="1.0" encoding="utf-8"?>
+<p:sld xmlns:a="http://schemas.openxmlformats.org/drawingml/2006/main" xmlns:r="http://schemas.openxmlformats.org/officeDocument/2006/relationships" xmlns:p="http://schemas.openxmlformats.org/presentationml/2006/main">
+  <p:cSld>
+    <p:spTree>
+      <p:nvGrpSpPr>
+        <p:cNvPr id="1" name=""/>
+        <p:cNvGrpSpPr/>
+        <p:nvPr/>
+      </p:nvGrpSpPr>
+      <p:grpSpPr>
+        <a:xfrm>
+          <a:off x="0" y="0"/>
+          <a:ext cx="0" cy="0"/>
+          <a:chOff x="0" y="0"/>
+          <a:chExt cx="0" cy="0"/>
+        </a:xfrm>
+      </p:grpSpPr>
+      <p:sp>
+        <p:nvSpPr>
+          <p:cNvPr id="2" name="Titel 1"/>
+          <p:cNvSpPr>
+            <a:spLocks noGrp="1"/>
+          </p:cNvSpPr>
+          <p:nvPr>
+            <p:ph type="title"/>
+          </p:nvPr>
+        </p:nvSpPr>
+        <p:spPr/>
+        <p:txBody>
+          <a:bodyPr/>
+          <a:lstStyle/>
+          <a:p>
+            <a:r>
+              <a:rPr lang="de-CH" dirty="0" smtClean="0"/>
+              <a:t>Gelerntes</a:t>
+            </a:r>
             <a:endParaRPr lang="de-CH" dirty="0"/>
           </a:p>
         </p:txBody>
@@ -6956,11 +7891,7 @@
             </a:r>
             <a:r>
               <a:rPr lang="de-CH" dirty="0" smtClean="0"/>
-              <a:t>&amp;</a:t>
-            </a:r>
-            <a:r>
-              <a:rPr lang="de-CH" dirty="0" smtClean="0"/>
-              <a:t> TFS</a:t>
+              <a:t>&amp; TFS</a:t>
             </a:r>
             <a:endParaRPr lang="de-CH" dirty="0"/>
           </a:p>
@@ -6969,10 +7900,32 @@
               <a:rPr lang="de-CH" dirty="0" smtClean="0"/>
               <a:t>Verfeinerung Entwicklungsprozess</a:t>
             </a:r>
-            <a:endParaRPr lang="de-CH" dirty="0" smtClean="0"/>
-          </a:p>
-        </p:txBody>
-      </p:sp>
+          </a:p>
+        </p:txBody>
+      </p:sp>
+      <p:pic>
+        <p:nvPicPr>
+          <p:cNvPr id="4" name="Grafik 3"/>
+          <p:cNvPicPr>
+            <a:picLocks noChangeAspect="1"/>
+          </p:cNvPicPr>
+          <p:nvPr/>
+        </p:nvPicPr>
+        <p:blipFill rotWithShape="1">
+          <a:blip r:embed="rId3"/>
+          <a:srcRect r="15715"/>
+          <a:stretch/>
+        </p:blipFill>
+        <p:spPr>
+          <a:xfrm>
+            <a:off x="5017169" y="1925552"/>
+            <a:ext cx="7086600" cy="4655721"/>
+          </a:xfrm>
+          <a:prstGeom prst="rect">
+            <a:avLst/>
+          </a:prstGeom>
+        </p:spPr>
+      </p:pic>
     </p:spTree>
     <p:extLst>
       <p:ext uri="{BB962C8B-B14F-4D97-AF65-F5344CB8AC3E}">
@@ -6993,7 +7946,7 @@
 </p:sld>
 </file>
 
-<file path=ppt/slides/slide23.xml><?xml version="1.0" encoding="utf-8"?>
+<file path=ppt/slides/slide21.xml><?xml version="1.0" encoding="utf-8"?>
 <p:sld xmlns:a="http://schemas.openxmlformats.org/drawingml/2006/main" xmlns:r="http://schemas.openxmlformats.org/officeDocument/2006/relationships" xmlns:p="http://schemas.openxmlformats.org/presentationml/2006/main">
   <p:cSld>
     <p:spTree>
@@ -7333,121 +8286,6 @@
           <a:chExt cx="0" cy="0"/>
         </a:xfrm>
       </p:grpSpPr>
-      <p:pic>
-        <p:nvPicPr>
-          <p:cNvPr id="4" name="Grafik 3"/>
-          <p:cNvPicPr>
-            <a:picLocks noChangeAspect="1"/>
-          </p:cNvPicPr>
-          <p:nvPr/>
-        </p:nvPicPr>
-        <p:blipFill>
-          <a:blip r:embed="rId3"/>
-          <a:stretch>
-            <a:fillRect/>
-          </a:stretch>
-        </p:blipFill>
-        <p:spPr>
-          <a:xfrm>
-            <a:off x="2034319" y="851219"/>
-            <a:ext cx="8018584" cy="6013938"/>
-          </a:xfrm>
-          <a:prstGeom prst="rect">
-            <a:avLst/>
-          </a:prstGeom>
-        </p:spPr>
-      </p:pic>
-      <p:sp>
-        <p:nvSpPr>
-          <p:cNvPr id="3" name="Inhaltsplatzhalter 2"/>
-          <p:cNvSpPr>
-            <a:spLocks noGrp="1"/>
-          </p:cNvSpPr>
-          <p:nvPr>
-            <p:ph idx="1"/>
-          </p:nvPr>
-        </p:nvSpPr>
-        <p:spPr/>
-        <p:txBody>
-          <a:bodyPr/>
-          <a:lstStyle/>
-          <a:p>
-            <a:endParaRPr lang="de-CH" dirty="0"/>
-          </a:p>
-          <a:p>
-            <a:endParaRPr lang="de-CH" dirty="0" smtClean="0"/>
-          </a:p>
-          <a:p>
-            <a:endParaRPr lang="de-CH" dirty="0"/>
-          </a:p>
-          <a:p>
-            <a:r>
-              <a:rPr lang="de-CH" sz="3600" b="1" dirty="0" smtClean="0"/>
-              <a:t>Relatives</a:t>
-            </a:r>
-          </a:p>
-        </p:txBody>
-      </p:sp>
-      <p:sp>
-        <p:nvSpPr>
-          <p:cNvPr id="2" name="Titel 1"/>
-          <p:cNvSpPr>
-            <a:spLocks noGrp="1"/>
-          </p:cNvSpPr>
-          <p:nvPr>
-            <p:ph type="title"/>
-          </p:nvPr>
-        </p:nvSpPr>
-        <p:spPr/>
-        <p:txBody>
-          <a:bodyPr/>
-          <a:lstStyle/>
-          <a:p>
-            <a:r>
-              <a:rPr lang="de-CH" dirty="0" smtClean="0"/>
-              <a:t>Rückblick</a:t>
-            </a:r>
-            <a:endParaRPr lang="de-CH" dirty="0"/>
-          </a:p>
-        </p:txBody>
-      </p:sp>
-    </p:spTree>
-    <p:extLst>
-      <p:ext uri="{BB962C8B-B14F-4D97-AF65-F5344CB8AC3E}">
-        <p14:creationId xmlns:p14="http://schemas.microsoft.com/office/powerpoint/2010/main" val="1325130047"/>
-      </p:ext>
-    </p:extLst>
-  </p:cSld>
-  <p:clrMapOvr>
-    <a:masterClrMapping/>
-  </p:clrMapOvr>
-  <p:timing>
-    <p:tnLst>
-      <p:par>
-        <p:cTn id="1" dur="indefinite" restart="never" nodeType="tmRoot"/>
-      </p:par>
-    </p:tnLst>
-  </p:timing>
-</p:sld>
-</file>
-
-<file path=ppt/slides/slide4.xml><?xml version="1.0" encoding="utf-8"?>
-<p:sld xmlns:a="http://schemas.openxmlformats.org/drawingml/2006/main" xmlns:r="http://schemas.openxmlformats.org/officeDocument/2006/relationships" xmlns:p="http://schemas.openxmlformats.org/presentationml/2006/main">
-  <p:cSld>
-    <p:spTree>
-      <p:nvGrpSpPr>
-        <p:cNvPr id="1" name=""/>
-        <p:cNvGrpSpPr/>
-        <p:nvPr/>
-      </p:nvGrpSpPr>
-      <p:grpSpPr>
-        <a:xfrm>
-          <a:off x="0" y="0"/>
-          <a:ext cx="0" cy="0"/>
-          <a:chOff x="0" y="0"/>
-          <a:chExt cx="0" cy="0"/>
-        </a:xfrm>
-      </p:grpSpPr>
       <p:sp>
         <p:nvSpPr>
           <p:cNvPr id="2" name="Titel 1"/>
@@ -7498,6 +8336,12 @@
               <a:rPr lang="de-CH" dirty="0" smtClean="0"/>
             </a:br>
             <a:endParaRPr lang="de-CH" dirty="0" smtClean="0"/>
+          </a:p>
+          <a:p>
+            <a:r>
+              <a:rPr lang="de-CH" dirty="0" smtClean="0"/>
+              <a:t>Relatives</a:t>
+            </a:r>
           </a:p>
           <a:p>
             <a:r>
@@ -7584,7 +8428,7 @@
 </p:sld>
 </file>
 
-<file path=ppt/slides/slide5.xml><?xml version="1.0" encoding="utf-8"?>
+<file path=ppt/slides/slide4.xml><?xml version="1.0" encoding="utf-8"?>
 <p:sld xmlns:a="http://schemas.openxmlformats.org/drawingml/2006/main" xmlns:r="http://schemas.openxmlformats.org/officeDocument/2006/relationships" xmlns:p="http://schemas.openxmlformats.org/presentationml/2006/main">
   <p:cSld>
     <p:spTree>
@@ -7733,7 +8577,7 @@
 </p:sld>
 </file>
 
-<file path=ppt/slides/slide6.xml><?xml version="1.0" encoding="utf-8"?>
+<file path=ppt/slides/slide5.xml><?xml version="1.0" encoding="utf-8"?>
 <p:sld xmlns:a="http://schemas.openxmlformats.org/drawingml/2006/main" xmlns:r="http://schemas.openxmlformats.org/officeDocument/2006/relationships" xmlns:p="http://schemas.openxmlformats.org/presentationml/2006/main">
   <p:cSld>
     <p:spTree>
@@ -7858,7 +8702,7 @@
           <p:nvPr/>
         </p:nvPicPr>
         <p:blipFill>
-          <a:blip r:embed="rId2">
+          <a:blip r:embed="rId3">
             <a:extLst>
               <a:ext uri="{28A0092B-C50C-407E-A947-70E740481C1C}">
                 <a14:useLocalDpi xmlns:a14="http://schemas.microsoft.com/office/drawing/2010/main" val="0"/>
@@ -8164,7 +9008,7 @@
 </p:sld>
 </file>
 
-<file path=ppt/slides/slide7.xml><?xml version="1.0" encoding="utf-8"?>
+<file path=ppt/slides/slide6.xml><?xml version="1.0" encoding="utf-8"?>
 <p:sld xmlns:a="http://schemas.openxmlformats.org/drawingml/2006/main" xmlns:r="http://schemas.openxmlformats.org/officeDocument/2006/relationships" xmlns:p="http://schemas.openxmlformats.org/presentationml/2006/main">
   <p:cSld>
     <p:spTree>
@@ -8191,11 +9035,11 @@
   <p:clrMapOvr>
     <a:masterClrMapping/>
   </p:clrMapOvr>
-  <mc:AlternateContent xmlns:mc="http://schemas.openxmlformats.org/markup-compatibility/2006">
-    <mc:Choice xmlns:p14="http://schemas.microsoft.com/office/powerpoint/2010/main" Requires="p14">
+  <mc:AlternateContent xmlns:mc="http://schemas.openxmlformats.org/markup-compatibility/2006" xmlns:p14="http://schemas.microsoft.com/office/powerpoint/2010/main">
+    <mc:Choice Requires="p14">
       <p:transition spd="slow" p14:dur="2000"/>
     </mc:Choice>
-    <mc:Fallback>
+    <mc:Fallback xmlns="">
       <p:transition spd="slow"/>
     </mc:Fallback>
   </mc:AlternateContent>
@@ -8209,7 +9053,7 @@
 </p:sld>
 </file>
 
-<file path=ppt/slides/slide8.xml><?xml version="1.0" encoding="utf-8"?>
+<file path=ppt/slides/slide7.xml><?xml version="1.0" encoding="utf-8"?>
 <p:sld xmlns:a="http://schemas.openxmlformats.org/drawingml/2006/main" xmlns:r="http://schemas.openxmlformats.org/officeDocument/2006/relationships" xmlns:p="http://schemas.openxmlformats.org/presentationml/2006/main">
   <p:cSld>
     <p:spTree>
@@ -8289,7 +9133,7 @@
 </p:sld>
 </file>
 
-<file path=ppt/slides/slide9.xml><?xml version="1.0" encoding="utf-8"?>
+<file path=ppt/slides/slide8.xml><?xml version="1.0" encoding="utf-8"?>
 <p:sld xmlns:a="http://schemas.openxmlformats.org/drawingml/2006/main" xmlns:r="http://schemas.openxmlformats.org/officeDocument/2006/relationships" xmlns:p="http://schemas.openxmlformats.org/presentationml/2006/main">
   <p:cSld>
     <p:spTree>
@@ -9640,6 +10484,118 @@
 </p:sld>
 </file>
 
+<file path=ppt/slides/slide9.xml><?xml version="1.0" encoding="utf-8"?>
+<p:sld xmlns:a="http://schemas.openxmlformats.org/drawingml/2006/main" xmlns:r="http://schemas.openxmlformats.org/officeDocument/2006/relationships" xmlns:p="http://schemas.openxmlformats.org/presentationml/2006/main">
+  <p:cSld>
+    <p:spTree>
+      <p:nvGrpSpPr>
+        <p:cNvPr id="1" name=""/>
+        <p:cNvGrpSpPr/>
+        <p:nvPr/>
+      </p:nvGrpSpPr>
+      <p:grpSpPr>
+        <a:xfrm>
+          <a:off x="0" y="0"/>
+          <a:ext cx="0" cy="0"/>
+          <a:chOff x="0" y="0"/>
+          <a:chExt cx="0" cy="0"/>
+        </a:xfrm>
+      </p:grpSpPr>
+      <p:sp>
+        <p:nvSpPr>
+          <p:cNvPr id="2" name="Titel 1"/>
+          <p:cNvSpPr>
+            <a:spLocks noGrp="1"/>
+          </p:cNvSpPr>
+          <p:nvPr>
+            <p:ph type="title"/>
+          </p:nvPr>
+        </p:nvSpPr>
+        <p:spPr/>
+        <p:txBody>
+          <a:bodyPr/>
+          <a:lstStyle/>
+          <a:p>
+            <a:r>
+              <a:rPr lang="de-CH" dirty="0" smtClean="0"/>
+              <a:t>Implementation</a:t>
+            </a:r>
+            <a:endParaRPr lang="de-CH" dirty="0"/>
+          </a:p>
+        </p:txBody>
+      </p:sp>
+      <p:sp>
+        <p:nvSpPr>
+          <p:cNvPr id="3" name="Inhaltsplatzhalter 2"/>
+          <p:cNvSpPr>
+            <a:spLocks noGrp="1"/>
+          </p:cNvSpPr>
+          <p:nvPr>
+            <p:ph idx="1"/>
+          </p:nvPr>
+        </p:nvSpPr>
+        <p:spPr/>
+        <p:txBody>
+          <a:bodyPr/>
+          <a:lstStyle/>
+          <a:p>
+            <a:r>
+              <a:rPr lang="de-CH" b="1" dirty="0" smtClean="0"/>
+              <a:t>Navigation </a:t>
+            </a:r>
+            <a:r>
+              <a:rPr lang="de-CH" b="1" dirty="0" err="1" smtClean="0"/>
+              <a:t>Vaadin</a:t>
+            </a:r>
+            <a:endParaRPr lang="de-CH" b="1" dirty="0" smtClean="0"/>
+          </a:p>
+          <a:p>
+            <a:endParaRPr lang="de-CH" b="1" dirty="0" smtClean="0"/>
+          </a:p>
+          <a:p>
+            <a:r>
+              <a:rPr lang="de-CH" dirty="0"/>
+              <a:t>Navigator Klasse</a:t>
+            </a:r>
+          </a:p>
+          <a:p>
+            <a:r>
+              <a:rPr lang="de-CH" dirty="0"/>
+              <a:t>Parameterübergabe zwischen </a:t>
+            </a:r>
+            <a:r>
+              <a:rPr lang="de-CH" dirty="0" smtClean="0"/>
+              <a:t>Views</a:t>
+            </a:r>
+          </a:p>
+          <a:p>
+            <a:endParaRPr lang="de-CH" dirty="0"/>
+          </a:p>
+          <a:p>
+            <a:endParaRPr lang="de-CH" b="1" dirty="0"/>
+          </a:p>
+        </p:txBody>
+      </p:sp>
+    </p:spTree>
+    <p:extLst>
+      <p:ext uri="{BB962C8B-B14F-4D97-AF65-F5344CB8AC3E}">
+        <p14:creationId xmlns:p14="http://schemas.microsoft.com/office/powerpoint/2010/main" val="1519822558"/>
+      </p:ext>
+    </p:extLst>
+  </p:cSld>
+  <p:clrMapOvr>
+    <a:masterClrMapping/>
+  </p:clrMapOvr>
+  <p:timing>
+    <p:tnLst>
+      <p:par>
+        <p:cTn id="1" dur="indefinite" restart="never" nodeType="tmRoot"/>
+      </p:par>
+    </p:tnLst>
+  </p:timing>
+</p:sld>
+</file>
+
 <file path=ppt/theme/theme1.xml><?xml version="1.0" encoding="utf-8"?>
 <a:theme xmlns:a="http://schemas.openxmlformats.org/drawingml/2006/main" name="Metropolitan">
   <a:themeElements>
